--- a/day2/第二次作业成果展示.pptx
+++ b/day2/第二次作业成果展示.pptx
@@ -5,20 +5,20 @@
     <p:sldMasterId id="2147483648" r:id="rId1"/>
   </p:sldMasterIdLst>
   <p:sldIdLst>
-    <p:sldId id="256" r:id="rId3"/>
-    <p:sldId id="257" r:id="rId4"/>
-    <p:sldId id="258" r:id="rId5"/>
-    <p:sldId id="259" r:id="rId6"/>
-    <p:sldId id="263" r:id="rId7"/>
-    <p:sldId id="264" r:id="rId8"/>
-    <p:sldId id="265" r:id="rId9"/>
-    <p:sldId id="266" r:id="rId10"/>
-    <p:sldId id="268" r:id="rId11"/>
-    <p:sldId id="269" r:id="rId12"/>
-    <p:sldId id="270" r:id="rId13"/>
-    <p:sldId id="273" r:id="rId14"/>
-    <p:sldId id="272" r:id="rId15"/>
-    <p:sldId id="278" r:id="rId16"/>
+    <p:sldId id="256" r:id="rId2"/>
+    <p:sldId id="257" r:id="rId3"/>
+    <p:sldId id="258" r:id="rId4"/>
+    <p:sldId id="259" r:id="rId5"/>
+    <p:sldId id="263" r:id="rId6"/>
+    <p:sldId id="264" r:id="rId7"/>
+    <p:sldId id="265" r:id="rId8"/>
+    <p:sldId id="266" r:id="rId9"/>
+    <p:sldId id="268" r:id="rId10"/>
+    <p:sldId id="269" r:id="rId11"/>
+    <p:sldId id="270" r:id="rId12"/>
+    <p:sldId id="273" r:id="rId13"/>
+    <p:sldId id="272" r:id="rId14"/>
+    <p:sldId id="278" r:id="rId15"/>
   </p:sldIdLst>
   <p:sldSz cx="12192000" cy="6858000"/>
   <p:notesSz cx="6858000" cy="9144000"/>
@@ -117,6 +117,22 @@
       </a:defRPr>
     </a:lvl9pPr>
   </p:defaultTextStyle>
+  <p:extLst>
+    <p:ext uri="{EFAFB233-063F-42B5-8137-9DF3F51BA10A}">
+      <p15:sldGuideLst xmlns:p15="http://schemas.microsoft.com/office/powerpoint/2012/main">
+        <p15:guide id="1" orient="horz" pos="2146">
+          <p15:clr>
+            <a:srgbClr val="A4A3A4"/>
+          </p15:clr>
+        </p15:guide>
+        <p15:guide id="2" pos="3841">
+          <p15:clr>
+            <a:srgbClr val="A4A3A4"/>
+          </p15:clr>
+        </p15:guide>
+      </p15:sldGuideLst>
+    </p:ext>
+  </p:extLst>
 </p:presentation>
 </file>
 
@@ -165,7 +181,6 @@
               <a:rPr lang="zh-CN" altLang="en-US"/>
               <a:t>单击此处编辑母版标题样式</a:t>
             </a:r>
-            <a:endParaRPr lang="zh-CN" altLang="en-US"/>
           </a:p>
         </p:txBody>
       </p:sp>
@@ -230,7 +245,6 @@
               <a:rPr lang="zh-CN" altLang="en-US"/>
               <a:t>单击以编辑母版副标题样式</a:t>
             </a:r>
-            <a:endParaRPr lang="zh-CN" altLang="en-US"/>
           </a:p>
         </p:txBody>
       </p:sp>
@@ -251,6 +265,7 @@
           <a:p>
             <a:fld id="{72503DD8-49B1-4705-8208-22CAD6DCB9D5}" type="datetimeFigureOut">
               <a:rPr lang="zh-CN" altLang="en-US" smtClean="0"/>
+              <a:t>2019/6/24</a:t>
             </a:fld>
             <a:endParaRPr lang="zh-CN" altLang="en-US"/>
           </a:p>
@@ -292,6 +307,7 @@
           <a:p>
             <a:fld id="{53ECD10C-9147-4509-8F0F-FD834FF4F036}" type="slidenum">
               <a:rPr lang="zh-CN" altLang="en-US" smtClean="0"/>
+              <a:t>‹#›</a:t>
             </a:fld>
             <a:endParaRPr lang="zh-CN" altLang="en-US"/>
           </a:p>
@@ -341,7 +357,6 @@
               <a:rPr lang="zh-CN" altLang="en-US"/>
               <a:t>单击此处编辑母版标题样式</a:t>
             </a:r>
-            <a:endParaRPr lang="zh-CN" altLang="en-US"/>
           </a:p>
         </p:txBody>
       </p:sp>
@@ -365,7 +380,6 @@
               <a:rPr lang="zh-CN" altLang="en-US"/>
               <a:t>编辑母版文本样式</a:t>
             </a:r>
-            <a:endParaRPr lang="zh-CN" altLang="en-US"/>
           </a:p>
           <a:p>
             <a:pPr lvl="1"/>
@@ -373,7 +387,6 @@
               <a:rPr lang="zh-CN" altLang="en-US"/>
               <a:t>第二级</a:t>
             </a:r>
-            <a:endParaRPr lang="zh-CN" altLang="en-US"/>
           </a:p>
           <a:p>
             <a:pPr lvl="2"/>
@@ -381,7 +394,6 @@
               <a:rPr lang="zh-CN" altLang="en-US"/>
               <a:t>第三级</a:t>
             </a:r>
-            <a:endParaRPr lang="zh-CN" altLang="en-US"/>
           </a:p>
           <a:p>
             <a:pPr lvl="3"/>
@@ -389,7 +401,6 @@
               <a:rPr lang="zh-CN" altLang="en-US"/>
               <a:t>第四级</a:t>
             </a:r>
-            <a:endParaRPr lang="zh-CN" altLang="en-US"/>
           </a:p>
           <a:p>
             <a:pPr lvl="4"/>
@@ -397,7 +408,6 @@
               <a:rPr lang="zh-CN" altLang="en-US"/>
               <a:t>第五级</a:t>
             </a:r>
-            <a:endParaRPr lang="zh-CN" altLang="en-US"/>
           </a:p>
         </p:txBody>
       </p:sp>
@@ -418,6 +428,7 @@
           <a:p>
             <a:fld id="{72503DD8-49B1-4705-8208-22CAD6DCB9D5}" type="datetimeFigureOut">
               <a:rPr lang="zh-CN" altLang="en-US" smtClean="0"/>
+              <a:t>2019/6/24</a:t>
             </a:fld>
             <a:endParaRPr lang="zh-CN" altLang="en-US"/>
           </a:p>
@@ -459,6 +470,7 @@
           <a:p>
             <a:fld id="{53ECD10C-9147-4509-8F0F-FD834FF4F036}" type="slidenum">
               <a:rPr lang="zh-CN" altLang="en-US" smtClean="0"/>
+              <a:t>‹#›</a:t>
             </a:fld>
             <a:endParaRPr lang="zh-CN" altLang="en-US"/>
           </a:p>
@@ -513,7 +525,6 @@
               <a:rPr lang="zh-CN" altLang="en-US"/>
               <a:t>单击此处编辑母版标题样式</a:t>
             </a:r>
-            <a:endParaRPr lang="zh-CN" altLang="en-US"/>
           </a:p>
         </p:txBody>
       </p:sp>
@@ -542,7 +553,6 @@
               <a:rPr lang="zh-CN" altLang="en-US"/>
               <a:t>编辑母版文本样式</a:t>
             </a:r>
-            <a:endParaRPr lang="zh-CN" altLang="en-US"/>
           </a:p>
           <a:p>
             <a:pPr lvl="1"/>
@@ -550,7 +560,6 @@
               <a:rPr lang="zh-CN" altLang="en-US"/>
               <a:t>第二级</a:t>
             </a:r>
-            <a:endParaRPr lang="zh-CN" altLang="en-US"/>
           </a:p>
           <a:p>
             <a:pPr lvl="2"/>
@@ -558,7 +567,6 @@
               <a:rPr lang="zh-CN" altLang="en-US"/>
               <a:t>第三级</a:t>
             </a:r>
-            <a:endParaRPr lang="zh-CN" altLang="en-US"/>
           </a:p>
           <a:p>
             <a:pPr lvl="3"/>
@@ -566,7 +574,6 @@
               <a:rPr lang="zh-CN" altLang="en-US"/>
               <a:t>第四级</a:t>
             </a:r>
-            <a:endParaRPr lang="zh-CN" altLang="en-US"/>
           </a:p>
           <a:p>
             <a:pPr lvl="4"/>
@@ -574,7 +581,6 @@
               <a:rPr lang="zh-CN" altLang="en-US"/>
               <a:t>第五级</a:t>
             </a:r>
-            <a:endParaRPr lang="zh-CN" altLang="en-US"/>
           </a:p>
         </p:txBody>
       </p:sp>
@@ -595,6 +601,7 @@
           <a:p>
             <a:fld id="{72503DD8-49B1-4705-8208-22CAD6DCB9D5}" type="datetimeFigureOut">
               <a:rPr lang="zh-CN" altLang="en-US" smtClean="0"/>
+              <a:t>2019/6/24</a:t>
             </a:fld>
             <a:endParaRPr lang="zh-CN" altLang="en-US"/>
           </a:p>
@@ -636,6 +643,7 @@
           <a:p>
             <a:fld id="{53ECD10C-9147-4509-8F0F-FD834FF4F036}" type="slidenum">
               <a:rPr lang="zh-CN" altLang="en-US" smtClean="0"/>
+              <a:t>‹#›</a:t>
             </a:fld>
             <a:endParaRPr lang="zh-CN" altLang="en-US"/>
           </a:p>
@@ -690,7 +698,6 @@
               <a:rPr lang="zh-CN" altLang="en-US"/>
               <a:t>单击此处编辑母版标题样式</a:t>
             </a:r>
-            <a:endParaRPr lang="zh-CN" altLang="en-US"/>
           </a:p>
         </p:txBody>
       </p:sp>
@@ -718,6 +725,7 @@
             </a:pPr>
             <a:fld id="{A5C66E67-5AD1-40AA-AAC1-C04AA203B07B}" type="datetime1">
               <a:rPr lang="zh-CN" altLang="en-US"/>
+              <a:t>2019/6/24</a:t>
             </a:fld>
             <a:endParaRPr lang="zh-CN" altLang="en-US" sz="1865">
               <a:solidFill>
@@ -777,6 +785,7 @@
             </a:pPr>
             <a:fld id="{C0E5386D-CAD5-4470-8E07-57FCD49E0712}" type="slidenum">
               <a:rPr lang="zh-CN" altLang="en-US"/>
+              <a:t>‹#›</a:t>
             </a:fld>
             <a:endParaRPr lang="zh-CN" altLang="en-US" sz="1865">
               <a:solidFill>
@@ -791,13 +800,13 @@
   <p:clrMapOvr>
     <a:masterClrMapping/>
   </p:clrMapOvr>
-  <mc:AlternateContent xmlns:mc="http://schemas.openxmlformats.org/markup-compatibility/2006">
-    <mc:Choice xmlns:p14="http://schemas.microsoft.com/office/powerpoint/2010/main" Requires="p14">
+  <mc:AlternateContent xmlns:mc="http://schemas.openxmlformats.org/markup-compatibility/2006" xmlns:p14="http://schemas.microsoft.com/office/powerpoint/2010/main">
+    <mc:Choice Requires="p14">
       <p:transition spd="slow" p14:dur="1600" advTm="0">
         <p:blinds dir="vert"/>
       </p:transition>
     </mc:Choice>
-    <mc:Fallback>
+    <mc:Fallback xmlns="">
       <p:transition spd="slow" advTm="0">
         <p:blinds dir="vert"/>
       </p:transition>
@@ -842,7 +851,6 @@
               <a:rPr lang="zh-CN" altLang="en-US"/>
               <a:t>单击此处编辑母版标题样式</a:t>
             </a:r>
-            <a:endParaRPr lang="zh-CN" altLang="en-US"/>
           </a:p>
         </p:txBody>
       </p:sp>
@@ -866,7 +874,6 @@
               <a:rPr lang="zh-CN" altLang="en-US"/>
               <a:t>编辑母版文本样式</a:t>
             </a:r>
-            <a:endParaRPr lang="zh-CN" altLang="en-US"/>
           </a:p>
           <a:p>
             <a:pPr lvl="1"/>
@@ -874,7 +881,6 @@
               <a:rPr lang="zh-CN" altLang="en-US"/>
               <a:t>第二级</a:t>
             </a:r>
-            <a:endParaRPr lang="zh-CN" altLang="en-US"/>
           </a:p>
           <a:p>
             <a:pPr lvl="2"/>
@@ -882,7 +888,6 @@
               <a:rPr lang="zh-CN" altLang="en-US"/>
               <a:t>第三级</a:t>
             </a:r>
-            <a:endParaRPr lang="zh-CN" altLang="en-US"/>
           </a:p>
           <a:p>
             <a:pPr lvl="3"/>
@@ -890,7 +895,6 @@
               <a:rPr lang="zh-CN" altLang="en-US"/>
               <a:t>第四级</a:t>
             </a:r>
-            <a:endParaRPr lang="zh-CN" altLang="en-US"/>
           </a:p>
           <a:p>
             <a:pPr lvl="4"/>
@@ -898,7 +902,6 @@
               <a:rPr lang="zh-CN" altLang="en-US"/>
               <a:t>第五级</a:t>
             </a:r>
-            <a:endParaRPr lang="zh-CN" altLang="en-US"/>
           </a:p>
         </p:txBody>
       </p:sp>
@@ -919,6 +922,7 @@
           <a:p>
             <a:fld id="{72503DD8-49B1-4705-8208-22CAD6DCB9D5}" type="datetimeFigureOut">
               <a:rPr lang="zh-CN" altLang="en-US" smtClean="0"/>
+              <a:t>2019/6/24</a:t>
             </a:fld>
             <a:endParaRPr lang="zh-CN" altLang="en-US"/>
           </a:p>
@@ -960,6 +964,7 @@
           <a:p>
             <a:fld id="{53ECD10C-9147-4509-8F0F-FD834FF4F036}" type="slidenum">
               <a:rPr lang="zh-CN" altLang="en-US" smtClean="0"/>
+              <a:t>‹#›</a:t>
             </a:fld>
             <a:endParaRPr lang="zh-CN" altLang="en-US"/>
           </a:p>
@@ -1018,7 +1023,6 @@
               <a:rPr lang="zh-CN" altLang="en-US"/>
               <a:t>单击此处编辑母版标题样式</a:t>
             </a:r>
-            <a:endParaRPr lang="zh-CN" altLang="en-US"/>
           </a:p>
         </p:txBody>
       </p:sp>
@@ -1138,7 +1142,6 @@
               <a:rPr lang="zh-CN" altLang="en-US"/>
               <a:t>编辑母版文本样式</a:t>
             </a:r>
-            <a:endParaRPr lang="zh-CN" altLang="en-US"/>
           </a:p>
         </p:txBody>
       </p:sp>
@@ -1159,6 +1162,7 @@
           <a:p>
             <a:fld id="{72503DD8-49B1-4705-8208-22CAD6DCB9D5}" type="datetimeFigureOut">
               <a:rPr lang="zh-CN" altLang="en-US" smtClean="0"/>
+              <a:t>2019/6/24</a:t>
             </a:fld>
             <a:endParaRPr lang="zh-CN" altLang="en-US"/>
           </a:p>
@@ -1200,6 +1204,7 @@
           <a:p>
             <a:fld id="{53ECD10C-9147-4509-8F0F-FD834FF4F036}" type="slidenum">
               <a:rPr lang="zh-CN" altLang="en-US" smtClean="0"/>
+              <a:t>‹#›</a:t>
             </a:fld>
             <a:endParaRPr lang="zh-CN" altLang="en-US"/>
           </a:p>
@@ -1249,7 +1254,6 @@
               <a:rPr lang="zh-CN" altLang="en-US"/>
               <a:t>单击此处编辑母版标题样式</a:t>
             </a:r>
-            <a:endParaRPr lang="zh-CN" altLang="en-US"/>
           </a:p>
         </p:txBody>
       </p:sp>
@@ -1278,7 +1282,6 @@
               <a:rPr lang="zh-CN" altLang="en-US"/>
               <a:t>编辑母版文本样式</a:t>
             </a:r>
-            <a:endParaRPr lang="zh-CN" altLang="en-US"/>
           </a:p>
           <a:p>
             <a:pPr lvl="1"/>
@@ -1286,7 +1289,6 @@
               <a:rPr lang="zh-CN" altLang="en-US"/>
               <a:t>第二级</a:t>
             </a:r>
-            <a:endParaRPr lang="zh-CN" altLang="en-US"/>
           </a:p>
           <a:p>
             <a:pPr lvl="2"/>
@@ -1294,7 +1296,6 @@
               <a:rPr lang="zh-CN" altLang="en-US"/>
               <a:t>第三级</a:t>
             </a:r>
-            <a:endParaRPr lang="zh-CN" altLang="en-US"/>
           </a:p>
           <a:p>
             <a:pPr lvl="3"/>
@@ -1302,7 +1303,6 @@
               <a:rPr lang="zh-CN" altLang="en-US"/>
               <a:t>第四级</a:t>
             </a:r>
-            <a:endParaRPr lang="zh-CN" altLang="en-US"/>
           </a:p>
           <a:p>
             <a:pPr lvl="4"/>
@@ -1310,7 +1310,6 @@
               <a:rPr lang="zh-CN" altLang="en-US"/>
               <a:t>第五级</a:t>
             </a:r>
-            <a:endParaRPr lang="zh-CN" altLang="en-US"/>
           </a:p>
         </p:txBody>
       </p:sp>
@@ -1339,7 +1338,6 @@
               <a:rPr lang="zh-CN" altLang="en-US"/>
               <a:t>编辑母版文本样式</a:t>
             </a:r>
-            <a:endParaRPr lang="zh-CN" altLang="en-US"/>
           </a:p>
           <a:p>
             <a:pPr lvl="1"/>
@@ -1347,7 +1345,6 @@
               <a:rPr lang="zh-CN" altLang="en-US"/>
               <a:t>第二级</a:t>
             </a:r>
-            <a:endParaRPr lang="zh-CN" altLang="en-US"/>
           </a:p>
           <a:p>
             <a:pPr lvl="2"/>
@@ -1355,7 +1352,6 @@
               <a:rPr lang="zh-CN" altLang="en-US"/>
               <a:t>第三级</a:t>
             </a:r>
-            <a:endParaRPr lang="zh-CN" altLang="en-US"/>
           </a:p>
           <a:p>
             <a:pPr lvl="3"/>
@@ -1363,7 +1359,6 @@
               <a:rPr lang="zh-CN" altLang="en-US"/>
               <a:t>第四级</a:t>
             </a:r>
-            <a:endParaRPr lang="zh-CN" altLang="en-US"/>
           </a:p>
           <a:p>
             <a:pPr lvl="4"/>
@@ -1371,7 +1366,6 @@
               <a:rPr lang="zh-CN" altLang="en-US"/>
               <a:t>第五级</a:t>
             </a:r>
-            <a:endParaRPr lang="zh-CN" altLang="en-US"/>
           </a:p>
         </p:txBody>
       </p:sp>
@@ -1392,6 +1386,7 @@
           <a:p>
             <a:fld id="{72503DD8-49B1-4705-8208-22CAD6DCB9D5}" type="datetimeFigureOut">
               <a:rPr lang="zh-CN" altLang="en-US" smtClean="0"/>
+              <a:t>2019/6/24</a:t>
             </a:fld>
             <a:endParaRPr lang="zh-CN" altLang="en-US"/>
           </a:p>
@@ -1433,6 +1428,7 @@
           <a:p>
             <a:fld id="{53ECD10C-9147-4509-8F0F-FD834FF4F036}" type="slidenum">
               <a:rPr lang="zh-CN" altLang="en-US" smtClean="0"/>
+              <a:t>‹#›</a:t>
             </a:fld>
             <a:endParaRPr lang="zh-CN" altLang="en-US"/>
           </a:p>
@@ -1487,7 +1483,6 @@
               <a:rPr lang="zh-CN" altLang="en-US"/>
               <a:t>单击此处编辑母版标题样式</a:t>
             </a:r>
-            <a:endParaRPr lang="zh-CN" altLang="en-US"/>
           </a:p>
         </p:txBody>
       </p:sp>
@@ -1553,7 +1548,6 @@
               <a:rPr lang="zh-CN" altLang="en-US"/>
               <a:t>编辑母版文本样式</a:t>
             </a:r>
-            <a:endParaRPr lang="zh-CN" altLang="en-US"/>
           </a:p>
         </p:txBody>
       </p:sp>
@@ -1582,7 +1576,6 @@
               <a:rPr lang="zh-CN" altLang="en-US"/>
               <a:t>编辑母版文本样式</a:t>
             </a:r>
-            <a:endParaRPr lang="zh-CN" altLang="en-US"/>
           </a:p>
           <a:p>
             <a:pPr lvl="1"/>
@@ -1590,7 +1583,6 @@
               <a:rPr lang="zh-CN" altLang="en-US"/>
               <a:t>第二级</a:t>
             </a:r>
-            <a:endParaRPr lang="zh-CN" altLang="en-US"/>
           </a:p>
           <a:p>
             <a:pPr lvl="2"/>
@@ -1598,7 +1590,6 @@
               <a:rPr lang="zh-CN" altLang="en-US"/>
               <a:t>第三级</a:t>
             </a:r>
-            <a:endParaRPr lang="zh-CN" altLang="en-US"/>
           </a:p>
           <a:p>
             <a:pPr lvl="3"/>
@@ -1606,7 +1597,6 @@
               <a:rPr lang="zh-CN" altLang="en-US"/>
               <a:t>第四级</a:t>
             </a:r>
-            <a:endParaRPr lang="zh-CN" altLang="en-US"/>
           </a:p>
           <a:p>
             <a:pPr lvl="4"/>
@@ -1614,7 +1604,6 @@
               <a:rPr lang="zh-CN" altLang="en-US"/>
               <a:t>第五级</a:t>
             </a:r>
-            <a:endParaRPr lang="zh-CN" altLang="en-US"/>
           </a:p>
         </p:txBody>
       </p:sp>
@@ -1680,7 +1669,6 @@
               <a:rPr lang="zh-CN" altLang="en-US"/>
               <a:t>编辑母版文本样式</a:t>
             </a:r>
-            <a:endParaRPr lang="zh-CN" altLang="en-US"/>
           </a:p>
         </p:txBody>
       </p:sp>
@@ -1709,7 +1697,6 @@
               <a:rPr lang="zh-CN" altLang="en-US"/>
               <a:t>编辑母版文本样式</a:t>
             </a:r>
-            <a:endParaRPr lang="zh-CN" altLang="en-US"/>
           </a:p>
           <a:p>
             <a:pPr lvl="1"/>
@@ -1717,7 +1704,6 @@
               <a:rPr lang="zh-CN" altLang="en-US"/>
               <a:t>第二级</a:t>
             </a:r>
-            <a:endParaRPr lang="zh-CN" altLang="en-US"/>
           </a:p>
           <a:p>
             <a:pPr lvl="2"/>
@@ -1725,7 +1711,6 @@
               <a:rPr lang="zh-CN" altLang="en-US"/>
               <a:t>第三级</a:t>
             </a:r>
-            <a:endParaRPr lang="zh-CN" altLang="en-US"/>
           </a:p>
           <a:p>
             <a:pPr lvl="3"/>
@@ -1733,7 +1718,6 @@
               <a:rPr lang="zh-CN" altLang="en-US"/>
               <a:t>第四级</a:t>
             </a:r>
-            <a:endParaRPr lang="zh-CN" altLang="en-US"/>
           </a:p>
           <a:p>
             <a:pPr lvl="4"/>
@@ -1741,7 +1725,6 @@
               <a:rPr lang="zh-CN" altLang="en-US"/>
               <a:t>第五级</a:t>
             </a:r>
-            <a:endParaRPr lang="zh-CN" altLang="en-US"/>
           </a:p>
         </p:txBody>
       </p:sp>
@@ -1762,6 +1745,7 @@
           <a:p>
             <a:fld id="{72503DD8-49B1-4705-8208-22CAD6DCB9D5}" type="datetimeFigureOut">
               <a:rPr lang="zh-CN" altLang="en-US" smtClean="0"/>
+              <a:t>2019/6/24</a:t>
             </a:fld>
             <a:endParaRPr lang="zh-CN" altLang="en-US"/>
           </a:p>
@@ -1803,6 +1787,7 @@
           <a:p>
             <a:fld id="{53ECD10C-9147-4509-8F0F-FD834FF4F036}" type="slidenum">
               <a:rPr lang="zh-CN" altLang="en-US" smtClean="0"/>
+              <a:t>‹#›</a:t>
             </a:fld>
             <a:endParaRPr lang="zh-CN" altLang="en-US"/>
           </a:p>
@@ -1852,7 +1837,6 @@
               <a:rPr lang="zh-CN" altLang="en-US"/>
               <a:t>单击此处编辑母版标题样式</a:t>
             </a:r>
-            <a:endParaRPr lang="zh-CN" altLang="en-US"/>
           </a:p>
         </p:txBody>
       </p:sp>
@@ -1873,6 +1857,7 @@
           <a:p>
             <a:fld id="{72503DD8-49B1-4705-8208-22CAD6DCB9D5}" type="datetimeFigureOut">
               <a:rPr lang="zh-CN" altLang="en-US" smtClean="0"/>
+              <a:t>2019/6/24</a:t>
             </a:fld>
             <a:endParaRPr lang="zh-CN" altLang="en-US"/>
           </a:p>
@@ -1914,6 +1899,7 @@
           <a:p>
             <a:fld id="{53ECD10C-9147-4509-8F0F-FD834FF4F036}" type="slidenum">
               <a:rPr lang="zh-CN" altLang="en-US" smtClean="0"/>
+              <a:t>‹#›</a:t>
             </a:fld>
             <a:endParaRPr lang="zh-CN" altLang="en-US"/>
           </a:p>
@@ -1961,6 +1947,7 @@
           <a:p>
             <a:fld id="{72503DD8-49B1-4705-8208-22CAD6DCB9D5}" type="datetimeFigureOut">
               <a:rPr lang="zh-CN" altLang="en-US" smtClean="0"/>
+              <a:t>2019/6/24</a:t>
             </a:fld>
             <a:endParaRPr lang="zh-CN" altLang="en-US"/>
           </a:p>
@@ -2002,6 +1989,7 @@
           <a:p>
             <a:fld id="{53ECD10C-9147-4509-8F0F-FD834FF4F036}" type="slidenum">
               <a:rPr lang="zh-CN" altLang="en-US" smtClean="0"/>
+              <a:t>‹#›</a:t>
             </a:fld>
             <a:endParaRPr lang="zh-CN" altLang="en-US"/>
           </a:p>
@@ -2060,7 +2048,6 @@
               <a:rPr lang="zh-CN" altLang="en-US"/>
               <a:t>单击此处编辑母版标题样式</a:t>
             </a:r>
-            <a:endParaRPr lang="zh-CN" altLang="en-US"/>
           </a:p>
         </p:txBody>
       </p:sp>
@@ -2117,7 +2104,6 @@
               <a:rPr lang="zh-CN" altLang="en-US"/>
               <a:t>编辑母版文本样式</a:t>
             </a:r>
-            <a:endParaRPr lang="zh-CN" altLang="en-US"/>
           </a:p>
           <a:p>
             <a:pPr lvl="1"/>
@@ -2125,7 +2111,6 @@
               <a:rPr lang="zh-CN" altLang="en-US"/>
               <a:t>第二级</a:t>
             </a:r>
-            <a:endParaRPr lang="zh-CN" altLang="en-US"/>
           </a:p>
           <a:p>
             <a:pPr lvl="2"/>
@@ -2133,7 +2118,6 @@
               <a:rPr lang="zh-CN" altLang="en-US"/>
               <a:t>第三级</a:t>
             </a:r>
-            <a:endParaRPr lang="zh-CN" altLang="en-US"/>
           </a:p>
           <a:p>
             <a:pPr lvl="3"/>
@@ -2141,7 +2125,6 @@
               <a:rPr lang="zh-CN" altLang="en-US"/>
               <a:t>第四级</a:t>
             </a:r>
-            <a:endParaRPr lang="zh-CN" altLang="en-US"/>
           </a:p>
           <a:p>
             <a:pPr lvl="4"/>
@@ -2149,7 +2132,6 @@
               <a:rPr lang="zh-CN" altLang="en-US"/>
               <a:t>第五级</a:t>
             </a:r>
-            <a:endParaRPr lang="zh-CN" altLang="en-US"/>
           </a:p>
         </p:txBody>
       </p:sp>
@@ -2215,7 +2197,6 @@
               <a:rPr lang="zh-CN" altLang="en-US"/>
               <a:t>编辑母版文本样式</a:t>
             </a:r>
-            <a:endParaRPr lang="zh-CN" altLang="en-US"/>
           </a:p>
         </p:txBody>
       </p:sp>
@@ -2236,6 +2217,7 @@
           <a:p>
             <a:fld id="{72503DD8-49B1-4705-8208-22CAD6DCB9D5}" type="datetimeFigureOut">
               <a:rPr lang="zh-CN" altLang="en-US" smtClean="0"/>
+              <a:t>2019/6/24</a:t>
             </a:fld>
             <a:endParaRPr lang="zh-CN" altLang="en-US"/>
           </a:p>
@@ -2277,6 +2259,7 @@
           <a:p>
             <a:fld id="{53ECD10C-9147-4509-8F0F-FD834FF4F036}" type="slidenum">
               <a:rPr lang="zh-CN" altLang="en-US" smtClean="0"/>
+              <a:t>‹#›</a:t>
             </a:fld>
             <a:endParaRPr lang="zh-CN" altLang="en-US"/>
           </a:p>
@@ -2335,7 +2318,6 @@
               <a:rPr lang="zh-CN" altLang="en-US"/>
               <a:t>单击此处编辑母版标题样式</a:t>
             </a:r>
-            <a:endParaRPr lang="zh-CN" altLang="en-US"/>
           </a:p>
         </p:txBody>
       </p:sp>
@@ -2462,7 +2444,6 @@
               <a:rPr lang="zh-CN" altLang="en-US"/>
               <a:t>编辑母版文本样式</a:t>
             </a:r>
-            <a:endParaRPr lang="zh-CN" altLang="en-US"/>
           </a:p>
         </p:txBody>
       </p:sp>
@@ -2483,6 +2464,7 @@
           <a:p>
             <a:fld id="{72503DD8-49B1-4705-8208-22CAD6DCB9D5}" type="datetimeFigureOut">
               <a:rPr lang="zh-CN" altLang="en-US" smtClean="0"/>
+              <a:t>2019/6/24</a:t>
             </a:fld>
             <a:endParaRPr lang="zh-CN" altLang="en-US"/>
           </a:p>
@@ -2524,6 +2506,7 @@
           <a:p>
             <a:fld id="{53ECD10C-9147-4509-8F0F-FD834FF4F036}" type="slidenum">
               <a:rPr lang="zh-CN" altLang="en-US" smtClean="0"/>
+              <a:t>‹#›</a:t>
             </a:fld>
             <a:endParaRPr lang="zh-CN" altLang="en-US"/>
           </a:p>
@@ -2591,7 +2574,6 @@
               <a:rPr lang="zh-CN" altLang="en-US"/>
               <a:t>单击此处编辑母版标题样式</a:t>
             </a:r>
-            <a:endParaRPr lang="zh-CN" altLang="en-US"/>
           </a:p>
         </p:txBody>
       </p:sp>
@@ -2625,7 +2607,6 @@
               <a:rPr lang="zh-CN" altLang="en-US"/>
               <a:t>编辑母版文本样式</a:t>
             </a:r>
-            <a:endParaRPr lang="zh-CN" altLang="en-US"/>
           </a:p>
           <a:p>
             <a:pPr lvl="1"/>
@@ -2633,7 +2614,6 @@
               <a:rPr lang="zh-CN" altLang="en-US"/>
               <a:t>第二级</a:t>
             </a:r>
-            <a:endParaRPr lang="zh-CN" altLang="en-US"/>
           </a:p>
           <a:p>
             <a:pPr lvl="2"/>
@@ -2641,7 +2621,6 @@
               <a:rPr lang="zh-CN" altLang="en-US"/>
               <a:t>第三级</a:t>
             </a:r>
-            <a:endParaRPr lang="zh-CN" altLang="en-US"/>
           </a:p>
           <a:p>
             <a:pPr lvl="3"/>
@@ -2649,7 +2628,6 @@
               <a:rPr lang="zh-CN" altLang="en-US"/>
               <a:t>第四级</a:t>
             </a:r>
-            <a:endParaRPr lang="zh-CN" altLang="en-US"/>
           </a:p>
           <a:p>
             <a:pPr lvl="4"/>
@@ -2657,7 +2635,6 @@
               <a:rPr lang="zh-CN" altLang="en-US"/>
               <a:t>第五级</a:t>
             </a:r>
-            <a:endParaRPr lang="zh-CN" altLang="en-US"/>
           </a:p>
         </p:txBody>
       </p:sp>
@@ -2696,6 +2673,7 @@
           <a:p>
             <a:fld id="{72503DD8-49B1-4705-8208-22CAD6DCB9D5}" type="datetimeFigureOut">
               <a:rPr lang="zh-CN" altLang="en-US" smtClean="0"/>
+              <a:t>2019/6/24</a:t>
             </a:fld>
             <a:endParaRPr lang="zh-CN" altLang="en-US"/>
           </a:p>
@@ -2773,6 +2751,7 @@
           <a:p>
             <a:fld id="{53ECD10C-9147-4509-8F0F-FD834FF4F036}" type="slidenum">
               <a:rPr lang="zh-CN" altLang="en-US" smtClean="0"/>
+              <a:t>‹#›</a:t>
             </a:fld>
             <a:endParaRPr lang="zh-CN" altLang="en-US"/>
           </a:p>
@@ -3483,14 +3462,6 @@
               </a:rPr>
               <a:t>智能合约的开发和部署</a:t>
             </a:r>
-            <a:endParaRPr lang="zh-CN" sz="3600" dirty="0">
-              <a:solidFill>
-                <a:schemeClr val="bg1"/>
-              </a:solidFill>
-              <a:latin typeface="微软雅黑" panose="020B0503020204020204" pitchFamily="34" charset="-122"/>
-              <a:ea typeface="微软雅黑" panose="020B0503020204020204" pitchFamily="34" charset="-122"/>
-              <a:sym typeface="方正姚体" panose="02010601030101010101" pitchFamily="2" charset="-122"/>
-            </a:endParaRPr>
           </a:p>
         </p:txBody>
       </p:sp>
@@ -3504,7 +3475,7 @@
         </p:nvSpPr>
         <p:spPr bwMode="auto">
           <a:xfrm>
-            <a:off x="2147912" y="2313340"/>
+            <a:off x="1718031" y="2395871"/>
             <a:ext cx="2738755" cy="2225040"/>
           </a:xfrm>
           <a:prstGeom prst="rect">
@@ -3641,14 +3612,6 @@
               </a:rPr>
               <a:t>区块链实训</a:t>
             </a:r>
-            <a:endParaRPr lang="zh-CN" altLang="en-US" sz="2000" dirty="0">
-              <a:solidFill>
-                <a:schemeClr val="bg1"/>
-              </a:solidFill>
-              <a:latin typeface="微软雅黑" panose="020B0503020204020204" pitchFamily="34" charset="-122"/>
-              <a:ea typeface="微软雅黑" panose="020B0503020204020204" pitchFamily="34" charset="-122"/>
-              <a:sym typeface="方正姚体" panose="02010601030101010101" pitchFamily="2" charset="-122"/>
-            </a:endParaRPr>
           </a:p>
         </p:txBody>
       </p:sp>
@@ -3736,6 +3699,8 @@
               </a:rPr>
               <a:t>第三组   成员：  </a:t>
             </a:r>
+          </a:p>
+          <a:p>
             <a:endParaRPr lang="zh-CN" altLang="en-US" dirty="0" smtClean="0">
               <a:solidFill>
                 <a:schemeClr val="bg1"/>
@@ -3746,16 +3711,6 @@
             </a:endParaRPr>
           </a:p>
           <a:p>
-            <a:endParaRPr lang="zh-CN" altLang="en-US" dirty="0" smtClean="0">
-              <a:solidFill>
-                <a:schemeClr val="bg1"/>
-              </a:solidFill>
-              <a:latin typeface="微软雅黑" panose="020B0503020204020204" pitchFamily="34" charset="-122"/>
-              <a:ea typeface="微软雅黑" panose="020B0503020204020204" pitchFamily="34" charset="-122"/>
-              <a:sym typeface="+mn-ea"/>
-            </a:endParaRPr>
-          </a:p>
-          <a:p>
             <a:r>
               <a:rPr lang="zh-CN" altLang="en-US" dirty="0" smtClean="0">
                 <a:solidFill>
@@ -3783,13 +3738,13 @@
   <p:clrMapOvr>
     <a:masterClrMapping/>
   </p:clrMapOvr>
-  <mc:AlternateContent xmlns:mc="http://schemas.openxmlformats.org/markup-compatibility/2006">
-    <mc:Choice xmlns:p14="http://schemas.microsoft.com/office/powerpoint/2010/main" Requires="p14">
+  <mc:AlternateContent xmlns:mc="http://schemas.openxmlformats.org/markup-compatibility/2006" xmlns:p14="http://schemas.microsoft.com/office/powerpoint/2010/main">
+    <mc:Choice Requires="p14">
       <p:transition spd="slow" p14:dur="1600" advTm="4500">
         <p:blinds dir="vert"/>
       </p:transition>
     </mc:Choice>
-    <mc:Fallback>
+    <mc:Fallback xmlns="">
       <p:transition spd="slow" advTm="4500">
         <p:blinds dir="vert"/>
       </p:transition>
@@ -4657,13 +4612,6 @@
               </a:rPr>
               <a:t>合约转换</a:t>
             </a:r>
-            <a:endParaRPr lang="en-US" altLang="zh-CN" sz="3200" dirty="0">
-              <a:solidFill>
-                <a:schemeClr val="bg1"/>
-              </a:solidFill>
-              <a:latin typeface="微软雅黑" panose="020B0503020204020204" pitchFamily="34" charset="-122"/>
-              <a:sym typeface="方正姚体" panose="02010601030101010101" pitchFamily="2" charset="-122"/>
-            </a:endParaRPr>
           </a:p>
         </p:txBody>
       </p:sp>
@@ -4687,6 +4635,7 @@
           <a:bodyPr wrap="square" rtlCol="0" anchor="t">
             <a:spAutoFit/>
           </a:bodyPr>
+          <a:lstStyle/>
           <a:p>
             <a:pPr marL="285750" indent="-285750">
               <a:buFont typeface="Arial" panose="020B0604020202020204" pitchFamily="34" charset="0"/>
@@ -4700,11 +4649,6 @@
               </a:rPr>
               <a:t>删除src/test/java/resources/contract目录下的HelloWorld.sol合约，并拷贝LAGCredit.sol进去。</a:t>
             </a:r>
-            <a:endParaRPr lang="zh-CN" altLang="en-US">
-              <a:solidFill>
-                <a:schemeClr val="bg1"/>
-              </a:solidFill>
-            </a:endParaRPr>
           </a:p>
           <a:p>
             <a:pPr marL="285750" indent="-285750">
@@ -4730,11 +4674,6 @@
               </a:rPr>
               <a:t>运行src/test/java/org/fisco/bcos/solidity/目录下的SolidityFunctionWrapperGeneratorTest测试类，将合约转换成java文件</a:t>
             </a:r>
-            <a:endParaRPr lang="zh-CN" altLang="en-US">
-              <a:solidFill>
-                <a:schemeClr val="bg1"/>
-              </a:solidFill>
-            </a:endParaRPr>
           </a:p>
           <a:p>
             <a:pPr marL="285750" indent="-285750">
@@ -4760,11 +4699,6 @@
               </a:rPr>
               <a:t>转换完成后在SolidityFunctionWrapperGeneratorTest测试类中加上@Ignore</a:t>
             </a:r>
-            <a:endParaRPr lang="zh-CN" altLang="en-US">
-              <a:solidFill>
-                <a:schemeClr val="bg1"/>
-              </a:solidFill>
-            </a:endParaRPr>
           </a:p>
           <a:p>
             <a:pPr marL="285750" indent="-285750">
@@ -4790,11 +4724,6 @@
               </a:rPr>
               <a:t>编写测试用例：修改ContractTest</a:t>
             </a:r>
-            <a:endParaRPr lang="zh-CN" altLang="en-US">
-              <a:solidFill>
-                <a:schemeClr val="bg1"/>
-              </a:solidFill>
-            </a:endParaRPr>
           </a:p>
         </p:txBody>
       </p:sp>
@@ -4807,7 +4736,7 @@
           <p:nvPr/>
         </p:nvPicPr>
         <p:blipFill>
-          <a:blip r:embed="rId1"/>
+          <a:blip r:embed="rId2"/>
           <a:stretch>
             <a:fillRect/>
           </a:stretch>
@@ -4831,7 +4760,7 @@
           <p:nvPr/>
         </p:nvPicPr>
         <p:blipFill>
-          <a:blip r:embed="rId2"/>
+          <a:blip r:embed="rId3"/>
           <a:stretch>
             <a:fillRect/>
           </a:stretch>
@@ -4851,13 +4780,13 @@
   <p:clrMapOvr>
     <a:masterClrMapping/>
   </p:clrMapOvr>
-  <mc:AlternateContent xmlns:mc="http://schemas.openxmlformats.org/markup-compatibility/2006">
-    <mc:Choice xmlns:p14="http://schemas.microsoft.com/office/powerpoint/2010/main" Requires="p14">
+  <mc:AlternateContent xmlns:mc="http://schemas.openxmlformats.org/markup-compatibility/2006" xmlns:p14="http://schemas.microsoft.com/office/powerpoint/2010/main">
+    <mc:Choice Requires="p14">
       <p:transition spd="slow" p14:dur="1600" advTm="3000">
         <p:blinds dir="vert"/>
       </p:transition>
     </mc:Choice>
-    <mc:Fallback>
+    <mc:Fallback xmlns="">
       <p:transition spd="slow" advTm="3000">
         <p:blinds dir="vert"/>
       </p:transition>
@@ -4951,14 +4880,6 @@
               </a:rPr>
               <a:t>运行BaseTest，选择全部运行</a:t>
             </a:r>
-            <a:endParaRPr lang="en-US" altLang="zh-CN" sz="1600" dirty="0">
-              <a:solidFill>
-                <a:schemeClr val="bg1"/>
-              </a:solidFill>
-              <a:latin typeface="微软雅黑" panose="020B0503020204020204" pitchFamily="34" charset="-122"/>
-              <a:ea typeface="微软雅黑" panose="020B0503020204020204" pitchFamily="34" charset="-122"/>
-              <a:sym typeface="方正姚体" panose="02010601030101010101" pitchFamily="2" charset="-122"/>
-            </a:endParaRPr>
           </a:p>
         </p:txBody>
       </p:sp>
@@ -5076,13 +4997,6 @@
               </a:rPr>
               <a:t>测试运行</a:t>
             </a:r>
-            <a:endParaRPr lang="en-US" altLang="zh-CN" sz="3200" dirty="0">
-              <a:solidFill>
-                <a:schemeClr val="bg1"/>
-              </a:solidFill>
-              <a:latin typeface="微软雅黑" panose="020B0503020204020204" pitchFamily="34" charset="-122"/>
-              <a:sym typeface="方正姚体" panose="02010601030101010101" pitchFamily="2" charset="-122"/>
-            </a:endParaRPr>
           </a:p>
         </p:txBody>
       </p:sp>
@@ -5095,7 +5009,7 @@
           <p:nvPr/>
         </p:nvPicPr>
         <p:blipFill>
-          <a:blip r:embed="rId1"/>
+          <a:blip r:embed="rId2"/>
           <a:stretch>
             <a:fillRect/>
           </a:stretch>
@@ -5115,13 +5029,13 @@
   <p:clrMapOvr>
     <a:masterClrMapping/>
   </p:clrMapOvr>
-  <mc:AlternateContent xmlns:mc="http://schemas.openxmlformats.org/markup-compatibility/2006">
-    <mc:Choice xmlns:p14="http://schemas.microsoft.com/office/powerpoint/2010/main" Requires="p14">
+  <mc:AlternateContent xmlns:mc="http://schemas.openxmlformats.org/markup-compatibility/2006" xmlns:p14="http://schemas.microsoft.com/office/powerpoint/2010/main">
+    <mc:Choice Requires="p14">
       <p:transition spd="slow" p14:dur="1600" advTm="4500">
         <p:blinds dir="vert"/>
       </p:transition>
     </mc:Choice>
-    <mc:Fallback>
+    <mc:Fallback xmlns="">
       <p:transition spd="slow" advTm="4500">
         <p:blinds dir="vert"/>
       </p:transition>
@@ -5786,13 +5700,13 @@
   <p:clrMapOvr>
     <a:masterClrMapping/>
   </p:clrMapOvr>
-  <mc:AlternateContent xmlns:mc="http://schemas.openxmlformats.org/markup-compatibility/2006">
-    <mc:Choice xmlns:p14="http://schemas.microsoft.com/office/powerpoint/2010/main" Requires="p14">
+  <mc:AlternateContent xmlns:mc="http://schemas.openxmlformats.org/markup-compatibility/2006" xmlns:p14="http://schemas.microsoft.com/office/powerpoint/2010/main">
+    <mc:Choice Requires="p14">
       <p:transition spd="slow" p14:dur="1600" advTm="1300">
         <p:blinds dir="vert"/>
       </p:transition>
     </mc:Choice>
-    <mc:Fallback>
+    <mc:Fallback xmlns="">
       <p:transition spd="slow" advTm="1300">
         <p:blinds dir="vert"/>
       </p:transition>
@@ -5886,14 +5800,6 @@
               </a:rPr>
               <a:t>通过合约的地址在控制台里调用合约的函数</a:t>
             </a:r>
-            <a:endParaRPr lang="zh-CN" altLang="en-US" sz="2000" dirty="0">
-              <a:solidFill>
-                <a:schemeClr val="bg1"/>
-              </a:solidFill>
-              <a:latin typeface="Calibri" panose="020F0502020204030204" pitchFamily="34" charset="0"/>
-              <a:cs typeface="Calibri" panose="020F0502020204030204" pitchFamily="34" charset="0"/>
-              <a:sym typeface="Calibri" panose="020F0502020204030204" pitchFamily="34" charset="0"/>
-            </a:endParaRPr>
           </a:p>
           <a:p>
             <a:pPr marL="342900" indent="-342900" algn="ctr">
@@ -5994,14 +5900,6 @@
               </a:rPr>
               <a:t>就已经部署了LAGCrdit合约了</a:t>
             </a:r>
-            <a:endParaRPr lang="en-US" altLang="zh-CN" sz="2000" dirty="0">
-              <a:solidFill>
-                <a:schemeClr val="bg1"/>
-              </a:solidFill>
-              <a:latin typeface="微软雅黑" panose="020B0503020204020204" pitchFamily="34" charset="-122"/>
-              <a:ea typeface="微软雅黑" panose="020B0503020204020204" pitchFamily="34" charset="-122"/>
-              <a:sym typeface="方正姚体" panose="02010601030101010101" pitchFamily="2" charset="-122"/>
-            </a:endParaRPr>
           </a:p>
           <a:p>
             <a:pPr marL="342900" indent="-342900">
@@ -6243,7 +6141,7 @@
           <p:nvPr/>
         </p:nvPicPr>
         <p:blipFill>
-          <a:blip r:embed="rId1"/>
+          <a:blip r:embed="rId2"/>
           <a:stretch>
             <a:fillRect/>
           </a:stretch>
@@ -6267,7 +6165,7 @@
           <p:nvPr/>
         </p:nvPicPr>
         <p:blipFill>
-          <a:blip r:embed="rId2"/>
+          <a:blip r:embed="rId3"/>
           <a:stretch>
             <a:fillRect/>
           </a:stretch>
@@ -6287,13 +6185,13 @@
   <p:clrMapOvr>
     <a:masterClrMapping/>
   </p:clrMapOvr>
-  <mc:AlternateContent xmlns:mc="http://schemas.openxmlformats.org/markup-compatibility/2006">
-    <mc:Choice xmlns:p14="http://schemas.microsoft.com/office/powerpoint/2010/main" Requires="p14">
+  <mc:AlternateContent xmlns:mc="http://schemas.openxmlformats.org/markup-compatibility/2006" xmlns:p14="http://schemas.microsoft.com/office/powerpoint/2010/main">
+    <mc:Choice Requires="p14">
       <p:transition spd="slow" p14:dur="1600" advTm="5000">
         <p:blinds dir="vert"/>
       </p:transition>
     </mc:Choice>
-    <mc:Fallback>
+    <mc:Fallback xmlns="">
       <p:transition spd="slow" advTm="5000">
         <p:blinds dir="vert"/>
       </p:transition>
@@ -6901,13 +6799,13 @@
   <p:clrMapOvr>
     <a:masterClrMapping/>
   </p:clrMapOvr>
-  <mc:AlternateContent xmlns:mc="http://schemas.openxmlformats.org/markup-compatibility/2006">
-    <mc:Choice xmlns:p14="http://schemas.microsoft.com/office/powerpoint/2010/main" Requires="p14">
+  <mc:AlternateContent xmlns:mc="http://schemas.openxmlformats.org/markup-compatibility/2006" xmlns:p14="http://schemas.microsoft.com/office/powerpoint/2010/main">
+    <mc:Choice Requires="p14">
       <p:transition spd="slow" p14:dur="1600">
         <p:blinds dir="vert"/>
       </p:transition>
     </mc:Choice>
-    <mc:Fallback>
+    <mc:Fallback xmlns="">
       <p:transition spd="slow">
         <p:blinds dir="vert"/>
       </p:transition>
@@ -8719,13 +8617,6 @@
               </a:rPr>
               <a:t>的实现</a:t>
             </a:r>
-            <a:endParaRPr lang="zh-CN" altLang="en-US" sz="2400" dirty="0">
-              <a:solidFill>
-                <a:schemeClr val="bg1"/>
-              </a:solidFill>
-              <a:latin typeface="微软雅黑" panose="020B0503020204020204" pitchFamily="34" charset="-122"/>
-              <a:ea typeface="微软雅黑" panose="020B0503020204020204" pitchFamily="34" charset="-122"/>
-            </a:endParaRPr>
           </a:p>
         </p:txBody>
       </p:sp>
@@ -8761,13 +8652,6 @@
               </a:rPr>
               <a:t>在Remix上部署和测试合约</a:t>
             </a:r>
-            <a:endParaRPr lang="en-US" altLang="zh-CN" sz="2400" dirty="0">
-              <a:solidFill>
-                <a:schemeClr val="bg1"/>
-              </a:solidFill>
-              <a:latin typeface="微软雅黑" panose="020B0503020204020204" pitchFamily="34" charset="-122"/>
-              <a:ea typeface="微软雅黑" panose="020B0503020204020204" pitchFamily="34" charset="-122"/>
-            </a:endParaRPr>
           </a:p>
         </p:txBody>
       </p:sp>
@@ -8803,13 +8687,6 @@
               </a:rPr>
               <a:t>在spring-boot-starter中部署</a:t>
             </a:r>
-            <a:endParaRPr lang="en-US" altLang="zh-CN" sz="2400" dirty="0">
-              <a:solidFill>
-                <a:schemeClr val="bg1"/>
-              </a:solidFill>
-              <a:latin typeface="微软雅黑" panose="020B0503020204020204" pitchFamily="34" charset="-122"/>
-              <a:ea typeface="微软雅黑" panose="020B0503020204020204" pitchFamily="34" charset="-122"/>
-            </a:endParaRPr>
           </a:p>
         </p:txBody>
       </p:sp>
@@ -8855,13 +8732,6 @@
               </a:rPr>
               <a:t>控制台调用合约</a:t>
             </a:r>
-            <a:endParaRPr lang="en-US" altLang="zh-CN" sz="2400" dirty="0">
-              <a:solidFill>
-                <a:schemeClr val="bg1"/>
-              </a:solidFill>
-              <a:latin typeface="微软雅黑" panose="020B0503020204020204" pitchFamily="34" charset="-122"/>
-              <a:ea typeface="微软雅黑" panose="020B0503020204020204" pitchFamily="34" charset="-122"/>
-            </a:endParaRPr>
           </a:p>
         </p:txBody>
       </p:sp>
@@ -9097,13 +8967,13 @@
   <p:clrMapOvr>
     <a:masterClrMapping/>
   </p:clrMapOvr>
-  <mc:AlternateContent xmlns:mc="http://schemas.openxmlformats.org/markup-compatibility/2006">
-    <mc:Choice xmlns:p14="http://schemas.microsoft.com/office/powerpoint/2010/main" Requires="p14">
+  <mc:AlternateContent xmlns:mc="http://schemas.openxmlformats.org/markup-compatibility/2006" xmlns:p14="http://schemas.microsoft.com/office/powerpoint/2010/main">
+    <mc:Choice Requires="p14">
       <p:transition spd="slow" p14:dur="1600" advTm="5500">
         <p:blinds dir="vert"/>
       </p:transition>
     </mc:Choice>
-    <mc:Fallback>
+    <mc:Fallback xmlns="">
       <p:transition spd="slow" advTm="5500">
         <p:blinds dir="vert"/>
       </p:transition>
@@ -10377,46 +10247,152 @@
           <a:bodyPr wrap="square" rtlCol="0">
             <a:spAutoFit/>
           </a:bodyPr>
-          <a:p>
-            <a:r>
-              <a:rPr lang="zh-CN" altLang="en-US">
+          <a:lstStyle/>
+          <a:p>
+            <a:r>
+              <a:rPr lang="zh-CN" altLang="en-US" dirty="0">
                 <a:solidFill>
                   <a:schemeClr val="bg1"/>
                 </a:solidFill>
               </a:rPr>
               <a:t>根据PPT上的提示编写以下功能：</a:t>
             </a:r>
-            <a:endParaRPr lang="zh-CN" altLang="en-US">
+          </a:p>
+          <a:p>
+            <a:endParaRPr lang="zh-CN" altLang="en-US" dirty="0">
               <a:solidFill>
                 <a:schemeClr val="bg1"/>
               </a:solidFill>
             </a:endParaRPr>
           </a:p>
           <a:p>
-            <a:endParaRPr lang="zh-CN" altLang="en-US">
+            <a:pPr marL="742950" lvl="1" indent="-285750">
+              <a:buFont typeface="Arial" panose="020B0604020202020204" pitchFamily="34" charset="0"/>
+              <a:buChar char="•"/>
+            </a:pPr>
+            <a:r>
+              <a:rPr lang="zh-CN" altLang="en-US" dirty="0">
+                <a:solidFill>
+                  <a:schemeClr val="bg1"/>
+                </a:solidFill>
+              </a:rPr>
+              <a:t>总积分初始化</a:t>
+            </a:r>
+          </a:p>
+          <a:p>
+            <a:pPr marL="742950" lvl="1" indent="-285750">
+              <a:buFont typeface="Arial" panose="020B0604020202020204" pitchFamily="34" charset="0"/>
+              <a:buChar char="•"/>
+            </a:pPr>
+            <a:r>
+              <a:rPr lang="zh-CN" altLang="en-US" dirty="0">
+                <a:solidFill>
+                  <a:schemeClr val="bg1"/>
+                </a:solidFill>
+              </a:rPr>
+              <a:t>总积分发行量查询   </a:t>
+            </a:r>
+          </a:p>
+          <a:p>
+            <a:pPr marL="742950" lvl="1" indent="-285750">
+              <a:buFont typeface="Arial" panose="020B0604020202020204" pitchFamily="34" charset="0"/>
+              <a:buChar char="•"/>
+            </a:pPr>
+            <a:r>
+              <a:rPr lang="zh-CN" altLang="en-US" dirty="0">
+                <a:solidFill>
+                  <a:schemeClr val="bg1"/>
+                </a:solidFill>
+              </a:rPr>
+              <a:t>积分转账 </a:t>
+            </a:r>
+          </a:p>
+          <a:p>
+            <a:pPr marL="742950" lvl="1" indent="-285750">
+              <a:buFont typeface="Arial" panose="020B0604020202020204" pitchFamily="34" charset="0"/>
+              <a:buChar char="•"/>
+            </a:pPr>
+            <a:r>
+              <a:rPr lang="zh-CN" altLang="en-US" dirty="0">
+                <a:solidFill>
+                  <a:schemeClr val="bg1"/>
+                </a:solidFill>
+              </a:rPr>
+              <a:t>积分查询</a:t>
+            </a:r>
+          </a:p>
+          <a:p>
+            <a:pPr marL="742950" lvl="1" indent="-285750" algn="l">
+              <a:buFont typeface="Arial" panose="020B0604020202020204" pitchFamily="34" charset="0"/>
+              <a:buChar char="•"/>
+            </a:pPr>
+            <a:r>
+              <a:rPr lang="zh-CN" altLang="en-US" dirty="0">
+                <a:solidFill>
+                  <a:schemeClr val="bg1"/>
+                </a:solidFill>
+              </a:rPr>
+              <a:t>积分转账明细记录</a:t>
+            </a:r>
+          </a:p>
+          <a:p>
+            <a:endParaRPr lang="zh-CN" altLang="en-US" dirty="0">
               <a:solidFill>
                 <a:schemeClr val="bg1"/>
               </a:solidFill>
             </a:endParaRPr>
           </a:p>
           <a:p>
+            <a:r>
+              <a:rPr lang="zh-CN" altLang="en-US" dirty="0" smtClean="0">
+                <a:solidFill>
+                  <a:schemeClr val="bg1"/>
+                </a:solidFill>
+              </a:rPr>
+              <a:t>再根</a:t>
+            </a:r>
+            <a:r>
+              <a:rPr lang="zh-CN" altLang="en-US" dirty="0">
+                <a:solidFill>
+                  <a:schemeClr val="bg1"/>
+                </a:solidFill>
+              </a:rPr>
+              <a:t>据个人需要添加以下功能</a:t>
+            </a:r>
+            <a:r>
+              <a:rPr lang="en-US" altLang="zh-CN" dirty="0">
+                <a:solidFill>
+                  <a:schemeClr val="bg1"/>
+                </a:solidFill>
+              </a:rPr>
+              <a:t>:</a:t>
+            </a:r>
+            <a:endParaRPr lang="zh-CN" altLang="en-US" dirty="0">
+              <a:solidFill>
+                <a:schemeClr val="bg1"/>
+              </a:solidFill>
+            </a:endParaRPr>
+          </a:p>
+          <a:p>
+            <a:endParaRPr lang="zh-CN" altLang="en-US" dirty="0">
+              <a:solidFill>
+                <a:schemeClr val="bg1"/>
+              </a:solidFill>
+            </a:endParaRPr>
+          </a:p>
+          <a:p>
             <a:pPr marL="742950" lvl="1" indent="-285750">
               <a:buFont typeface="Arial" panose="020B0604020202020204" pitchFamily="34" charset="0"/>
               <a:buChar char="•"/>
             </a:pPr>
             <a:r>
-              <a:rPr lang="zh-CN" altLang="en-US">
+              <a:rPr lang="zh-CN" altLang="en-US" dirty="0">
                 <a:solidFill>
                   <a:schemeClr val="bg1"/>
                 </a:solidFill>
               </a:rPr>
-              <a:t>总积分初始化</a:t>
-            </a:r>
-            <a:endParaRPr lang="zh-CN" altLang="en-US">
-              <a:solidFill>
-                <a:schemeClr val="bg1"/>
-              </a:solidFill>
-            </a:endParaRPr>
+              <a:t>查询自己的积分余额</a:t>
+            </a:r>
           </a:p>
           <a:p>
             <a:pPr marL="742950" lvl="1" indent="-285750">
@@ -10424,150 +10400,13 @@
               <a:buChar char="•"/>
             </a:pPr>
             <a:r>
-              <a:rPr lang="zh-CN" altLang="en-US">
-                <a:solidFill>
-                  <a:schemeClr val="bg1"/>
-                </a:solidFill>
-              </a:rPr>
-              <a:t>总积分发行量查询   </a:t>
-            </a:r>
-            <a:endParaRPr lang="zh-CN" altLang="en-US">
-              <a:solidFill>
-                <a:schemeClr val="bg1"/>
-              </a:solidFill>
-            </a:endParaRPr>
-          </a:p>
-          <a:p>
-            <a:pPr marL="742950" lvl="1" indent="-285750">
-              <a:buFont typeface="Arial" panose="020B0604020202020204" pitchFamily="34" charset="0"/>
-              <a:buChar char="•"/>
-            </a:pPr>
-            <a:r>
-              <a:rPr lang="zh-CN" altLang="en-US">
-                <a:solidFill>
-                  <a:schemeClr val="bg1"/>
-                </a:solidFill>
-              </a:rPr>
-              <a:t>积分转账 </a:t>
-            </a:r>
-            <a:endParaRPr lang="zh-CN" altLang="en-US">
-              <a:solidFill>
-                <a:schemeClr val="bg1"/>
-              </a:solidFill>
-            </a:endParaRPr>
-          </a:p>
-          <a:p>
-            <a:pPr marL="742950" lvl="1" indent="-285750">
-              <a:buFont typeface="Arial" panose="020B0604020202020204" pitchFamily="34" charset="0"/>
-              <a:buChar char="•"/>
-            </a:pPr>
-            <a:r>
-              <a:rPr lang="zh-CN" altLang="en-US">
-                <a:solidFill>
-                  <a:schemeClr val="bg1"/>
-                </a:solidFill>
-              </a:rPr>
-              <a:t>积分查询</a:t>
-            </a:r>
-            <a:endParaRPr lang="zh-CN" altLang="en-US">
-              <a:solidFill>
-                <a:schemeClr val="bg1"/>
-              </a:solidFill>
-            </a:endParaRPr>
-          </a:p>
-          <a:p>
-            <a:pPr marL="742950" lvl="1" indent="-285750" algn="l">
-              <a:buFont typeface="Arial" panose="020B0604020202020204" pitchFamily="34" charset="0"/>
-              <a:buChar char="•"/>
-            </a:pPr>
-            <a:r>
-              <a:rPr lang="zh-CN" altLang="en-US">
-                <a:solidFill>
-                  <a:schemeClr val="bg1"/>
-                </a:solidFill>
-              </a:rPr>
-              <a:t>积分转账明细记录</a:t>
-            </a:r>
-            <a:endParaRPr lang="zh-CN" altLang="en-US">
-              <a:solidFill>
-                <a:schemeClr val="bg1"/>
-              </a:solidFill>
-            </a:endParaRPr>
-          </a:p>
-          <a:p>
-            <a:endParaRPr lang="zh-CN" altLang="en-US">
-              <a:solidFill>
-                <a:schemeClr val="bg1"/>
-              </a:solidFill>
-            </a:endParaRPr>
-          </a:p>
-          <a:p>
-            <a:r>
-              <a:rPr lang="zh-CN" altLang="en-US">
-                <a:solidFill>
-                  <a:schemeClr val="bg1"/>
-                </a:solidFill>
-              </a:rPr>
-              <a:t>在根据个人需要添加以下功能</a:t>
-            </a:r>
-            <a:r>
-              <a:rPr lang="en-US" altLang="zh-CN">
-                <a:solidFill>
-                  <a:schemeClr val="bg1"/>
-                </a:solidFill>
-              </a:rPr>
-              <a:t>:</a:t>
-            </a:r>
-            <a:endParaRPr lang="zh-CN" altLang="en-US">
-              <a:solidFill>
-                <a:schemeClr val="bg1"/>
-              </a:solidFill>
-            </a:endParaRPr>
-          </a:p>
-          <a:p>
-            <a:endParaRPr lang="zh-CN" altLang="en-US">
-              <a:solidFill>
-                <a:schemeClr val="bg1"/>
-              </a:solidFill>
-            </a:endParaRPr>
-          </a:p>
-          <a:p>
-            <a:pPr marL="742950" lvl="1" indent="-285750">
-              <a:buFont typeface="Arial" panose="020B0604020202020204" pitchFamily="34" charset="0"/>
-              <a:buChar char="•"/>
-            </a:pPr>
-            <a:r>
-              <a:rPr lang="zh-CN" altLang="en-US">
-                <a:solidFill>
-                  <a:schemeClr val="bg1"/>
-                </a:solidFill>
-              </a:rPr>
-              <a:t>查询自己的积分余额</a:t>
-            </a:r>
-            <a:endParaRPr lang="zh-CN" altLang="en-US">
-              <a:solidFill>
-                <a:schemeClr val="bg1"/>
-              </a:solidFill>
-            </a:endParaRPr>
-          </a:p>
-          <a:p>
-            <a:pPr marL="742950" lvl="1" indent="-285750">
-              <a:buFont typeface="Arial" panose="020B0604020202020204" pitchFamily="34" charset="0"/>
-              <a:buChar char="•"/>
-            </a:pPr>
-            <a:r>
-              <a:rPr lang="zh-CN" altLang="en-US">
+              <a:rPr lang="zh-CN" altLang="en-US" dirty="0">
                 <a:solidFill>
                   <a:schemeClr val="bg1"/>
                 </a:solidFill>
               </a:rPr>
               <a:t>获取自己的账号地址</a:t>
             </a:r>
-            <a:endParaRPr lang="zh-CN" altLang="en-US">
-              <a:solidFill>
-                <a:schemeClr val="bg1"/>
-              </a:solidFill>
-            </a:endParaRPr>
           </a:p>
         </p:txBody>
       </p:sp>
@@ -10576,13 +10415,13 @@
   <p:clrMapOvr>
     <a:masterClrMapping/>
   </p:clrMapOvr>
-  <mc:AlternateContent xmlns:mc="http://schemas.openxmlformats.org/markup-compatibility/2006">
-    <mc:Choice xmlns:p14="http://schemas.microsoft.com/office/powerpoint/2010/main" Requires="p14">
+  <mc:AlternateContent xmlns:mc="http://schemas.openxmlformats.org/markup-compatibility/2006" xmlns:p14="http://schemas.microsoft.com/office/powerpoint/2010/main">
+    <mc:Choice Requires="p14">
       <p:transition spd="slow" p14:dur="1600" advTm="1300">
         <p:blinds dir="vert"/>
       </p:transition>
     </mc:Choice>
-    <mc:Fallback>
+    <mc:Fallback xmlns="">
       <p:transition spd="slow" advTm="1300">
         <p:blinds dir="vert"/>
       </p:transition>
@@ -10728,13 +10567,6 @@
               </a:rPr>
               <a:t>部分代码</a:t>
             </a:r>
-            <a:endParaRPr lang="zh-CN" altLang="en-US" sz="3200" dirty="0">
-              <a:solidFill>
-                <a:schemeClr val="bg1"/>
-              </a:solidFill>
-              <a:latin typeface="微软雅黑" panose="020B0503020204020204" pitchFamily="34" charset="-122"/>
-              <a:sym typeface="方正姚体" panose="02010601030101010101" pitchFamily="2" charset="-122"/>
-            </a:endParaRPr>
           </a:p>
         </p:txBody>
       </p:sp>
@@ -10747,7 +10579,7 @@
           <p:nvPr/>
         </p:nvPicPr>
         <p:blipFill>
-          <a:blip r:embed="rId1"/>
+          <a:blip r:embed="rId2"/>
           <a:stretch>
             <a:fillRect/>
           </a:stretch>
@@ -10771,15 +10603,15 @@
           <p:nvPr/>
         </p:nvPicPr>
         <p:blipFill>
-          <a:blip r:embed="rId2"/>
+          <a:blip r:embed="rId3"/>
           <a:stretch>
             <a:fillRect/>
           </a:stretch>
         </p:blipFill>
         <p:spPr>
           <a:xfrm>
-            <a:off x="389255" y="1880235"/>
-            <a:ext cx="6962775" cy="2886075"/>
+            <a:off x="7007771" y="4165662"/>
+            <a:ext cx="4914264" cy="2322133"/>
           </a:xfrm>
           <a:prstGeom prst="rect">
             <a:avLst/>
@@ -10791,13 +10623,13 @@
   <p:clrMapOvr>
     <a:masterClrMapping/>
   </p:clrMapOvr>
-  <mc:AlternateContent xmlns:mc="http://schemas.openxmlformats.org/markup-compatibility/2006">
-    <mc:Choice xmlns:p14="http://schemas.microsoft.com/office/powerpoint/2010/main" Requires="p14">
+  <mc:AlternateContent xmlns:mc="http://schemas.openxmlformats.org/markup-compatibility/2006" xmlns:p14="http://schemas.microsoft.com/office/powerpoint/2010/main">
+    <mc:Choice Requires="p14">
       <p:transition spd="slow" p14:dur="1600" advTm="4000">
         <p:blinds dir="vert"/>
       </p:transition>
     </mc:Choice>
-    <mc:Fallback>
+    <mc:Fallback xmlns="">
       <p:transition spd="slow" advTm="4000">
         <p:blinds dir="vert"/>
       </p:transition>
@@ -11528,13 +11360,13 @@
   <p:clrMapOvr>
     <a:masterClrMapping/>
   </p:clrMapOvr>
-  <mc:AlternateContent xmlns:mc="http://schemas.openxmlformats.org/markup-compatibility/2006">
-    <mc:Choice xmlns:p14="http://schemas.microsoft.com/office/powerpoint/2010/main" Requires="p14">
+  <mc:AlternateContent xmlns:mc="http://schemas.openxmlformats.org/markup-compatibility/2006" xmlns:p14="http://schemas.microsoft.com/office/powerpoint/2010/main">
+    <mc:Choice Requires="p14">
       <p:transition spd="slow" p14:dur="1600" advTm="1300">
         <p:blinds dir="vert"/>
       </p:transition>
     </mc:Choice>
-    <mc:Fallback>
+    <mc:Fallback xmlns="">
       <p:transition spd="slow" advTm="1300">
         <p:blinds dir="vert"/>
       </p:transition>
@@ -11624,14 +11456,6 @@
               </a:rPr>
               <a:t>1.输入需要的三个参数然后点击Deploy</a:t>
             </a:r>
-            <a:endParaRPr lang="en-US" sz="1465" dirty="0">
-              <a:solidFill>
-                <a:schemeClr val="bg1"/>
-              </a:solidFill>
-              <a:latin typeface="微软雅黑" panose="020B0503020204020204" pitchFamily="34" charset="-122"/>
-              <a:ea typeface="微软雅黑" panose="020B0503020204020204" pitchFamily="34" charset="-122"/>
-              <a:sym typeface="方正姚体" panose="02010601030101010101" pitchFamily="2" charset="-122"/>
-            </a:endParaRPr>
           </a:p>
         </p:txBody>
       </p:sp>
@@ -11692,14 +11516,6 @@
               </a:rPr>
               <a:t>2.部署成功</a:t>
             </a:r>
-            <a:endParaRPr lang="en-US" sz="1465" dirty="0">
-              <a:solidFill>
-                <a:schemeClr val="bg1"/>
-              </a:solidFill>
-              <a:latin typeface="微软雅黑" panose="020B0503020204020204" pitchFamily="34" charset="-122"/>
-              <a:ea typeface="微软雅黑" panose="020B0503020204020204" pitchFamily="34" charset="-122"/>
-              <a:sym typeface="方正姚体" panose="02010601030101010101" pitchFamily="2" charset="-122"/>
-            </a:endParaRPr>
           </a:p>
         </p:txBody>
       </p:sp>
@@ -11760,14 +11576,6 @@
               </a:rPr>
               <a:t>3.合约的状态</a:t>
             </a:r>
-            <a:endParaRPr lang="en-US" sz="1465" dirty="0">
-              <a:solidFill>
-                <a:schemeClr val="bg1"/>
-              </a:solidFill>
-              <a:latin typeface="微软雅黑" panose="020B0503020204020204" pitchFamily="34" charset="-122"/>
-              <a:ea typeface="微软雅黑" panose="020B0503020204020204" pitchFamily="34" charset="-122"/>
-              <a:sym typeface="方正姚体" panose="02010601030101010101" pitchFamily="2" charset="-122"/>
-            </a:endParaRPr>
           </a:p>
         </p:txBody>
       </p:sp>
@@ -11885,14 +11693,6 @@
               </a:rPr>
               <a:t>上部署和测试</a:t>
             </a:r>
-            <a:endParaRPr lang="zh-CN" altLang="en-US" sz="3200" b="1" dirty="0">
-              <a:solidFill>
-                <a:schemeClr val="bg1"/>
-              </a:solidFill>
-              <a:latin typeface="Calibri" panose="020F0502020204030204" pitchFamily="34" charset="0"/>
-              <a:cs typeface="Calibri" panose="020F0502020204030204" pitchFamily="34" charset="0"/>
-              <a:sym typeface="Calibri" panose="020F0502020204030204" pitchFamily="34" charset="0"/>
-            </a:endParaRPr>
           </a:p>
         </p:txBody>
       </p:sp>
@@ -11905,7 +11705,7 @@
           <p:nvPr/>
         </p:nvPicPr>
         <p:blipFill>
-          <a:blip r:embed="rId1"/>
+          <a:blip r:embed="rId2"/>
           <a:stretch>
             <a:fillRect/>
           </a:stretch>
@@ -11929,7 +11729,7 @@
           <p:nvPr/>
         </p:nvPicPr>
         <p:blipFill>
-          <a:blip r:embed="rId2"/>
+          <a:blip r:embed="rId3"/>
           <a:stretch>
             <a:fillRect/>
           </a:stretch>
@@ -11953,7 +11753,7 @@
           <p:nvPr/>
         </p:nvPicPr>
         <p:blipFill>
-          <a:blip r:embed="rId3"/>
+          <a:blip r:embed="rId4"/>
           <a:stretch>
             <a:fillRect/>
           </a:stretch>
@@ -11973,13 +11773,13 @@
   <p:clrMapOvr>
     <a:masterClrMapping/>
   </p:clrMapOvr>
-  <mc:AlternateContent xmlns:mc="http://schemas.openxmlformats.org/markup-compatibility/2006">
-    <mc:Choice xmlns:p14="http://schemas.microsoft.com/office/powerpoint/2010/main" Requires="p14">
+  <mc:AlternateContent xmlns:mc="http://schemas.openxmlformats.org/markup-compatibility/2006" xmlns:p14="http://schemas.microsoft.com/office/powerpoint/2010/main">
+    <mc:Choice Requires="p14">
       <p:transition spd="slow" p14:dur="1600" advTm="4500">
         <p:blinds dir="vert"/>
       </p:transition>
     </mc:Choice>
-    <mc:Fallback>
+    <mc:Fallback xmlns="">
       <p:transition spd="slow" advTm="4500">
         <p:blinds dir="vert"/>
       </p:transition>
@@ -12335,6 +12135,7 @@
           <a:bodyPr wrap="square" lIns="91440" tIns="45720" rIns="91440" bIns="45720">
             <a:spAutoFit/>
           </a:bodyPr>
+          <a:lstStyle/>
           <a:p>
             <a:r>
               <a:rPr lang="en-US" sz="1465" dirty="0">
@@ -12369,14 +12170,6 @@
               </a:rPr>
               <a:t>合同内的功能</a:t>
             </a:r>
-            <a:endParaRPr lang="en-US" sz="1465" dirty="0">
-              <a:solidFill>
-                <a:schemeClr val="bg1"/>
-              </a:solidFill>
-              <a:latin typeface="微软雅黑" panose="020B0503020204020204" pitchFamily="34" charset="-122"/>
-              <a:ea typeface="微软雅黑" panose="020B0503020204020204" pitchFamily="34" charset="-122"/>
-              <a:sym typeface="方正姚体" panose="02010601030101010101" pitchFamily="2" charset="-122"/>
-            </a:endParaRPr>
           </a:p>
         </p:txBody>
       </p:sp>
@@ -12389,7 +12182,7 @@
           <p:nvPr/>
         </p:nvPicPr>
         <p:blipFill>
-          <a:blip r:embed="rId1"/>
+          <a:blip r:embed="rId2"/>
           <a:stretch>
             <a:fillRect/>
           </a:stretch>
@@ -12448,6 +12241,7 @@
           <a:bodyPr wrap="square" lIns="91440" tIns="45720" rIns="91440" bIns="45720">
             <a:spAutoFit/>
           </a:bodyPr>
+          <a:lstStyle/>
           <a:p>
             <a:r>
               <a:rPr lang="en-US" sz="1465" dirty="0">
@@ -12471,14 +12265,6 @@
               </a:rPr>
               <a:t>测试获取自己的地址：getMyAddress</a:t>
             </a:r>
-            <a:endParaRPr sz="1465" dirty="0">
-              <a:solidFill>
-                <a:schemeClr val="bg1"/>
-              </a:solidFill>
-              <a:latin typeface="微软雅黑" panose="020B0503020204020204" pitchFamily="34" charset="-122"/>
-              <a:ea typeface="微软雅黑" panose="020B0503020204020204" pitchFamily="34" charset="-122"/>
-              <a:sym typeface="方正姚体" panose="02010601030101010101" pitchFamily="2" charset="-122"/>
-            </a:endParaRPr>
           </a:p>
         </p:txBody>
       </p:sp>
@@ -12526,6 +12312,7 @@
           <a:bodyPr wrap="square" lIns="91440" tIns="45720" rIns="91440" bIns="45720">
             <a:spAutoFit/>
           </a:bodyPr>
+          <a:lstStyle/>
           <a:p>
             <a:r>
               <a:rPr lang="en-US" sz="1465" dirty="0">
@@ -12549,14 +12336,6 @@
               </a:rPr>
               <a:t>测试查看发行量：getTotalSupply</a:t>
             </a:r>
-            <a:endParaRPr sz="1465" dirty="0">
-              <a:solidFill>
-                <a:schemeClr val="bg1"/>
-              </a:solidFill>
-              <a:latin typeface="微软雅黑" panose="020B0503020204020204" pitchFamily="34" charset="-122"/>
-              <a:ea typeface="微软雅黑" panose="020B0503020204020204" pitchFamily="34" charset="-122"/>
-              <a:sym typeface="方正姚体" panose="02010601030101010101" pitchFamily="2" charset="-122"/>
-            </a:endParaRPr>
           </a:p>
         </p:txBody>
       </p:sp>
@@ -12569,7 +12348,7 @@
           <p:nvPr/>
         </p:nvPicPr>
         <p:blipFill>
-          <a:blip r:embed="rId2"/>
+          <a:blip r:embed="rId3"/>
           <a:stretch>
             <a:fillRect/>
           </a:stretch>
@@ -12593,7 +12372,7 @@
           <p:nvPr/>
         </p:nvPicPr>
         <p:blipFill>
-          <a:blip r:embed="rId3"/>
+          <a:blip r:embed="rId4"/>
           <a:stretch>
             <a:fillRect/>
           </a:stretch>
@@ -12613,13 +12392,13 @@
   <p:clrMapOvr>
     <a:masterClrMapping/>
   </p:clrMapOvr>
-  <mc:AlternateContent xmlns:mc="http://schemas.openxmlformats.org/markup-compatibility/2006">
-    <mc:Choice xmlns:p14="http://schemas.microsoft.com/office/powerpoint/2010/main" Requires="p14">
+  <mc:AlternateContent xmlns:mc="http://schemas.openxmlformats.org/markup-compatibility/2006" xmlns:p14="http://schemas.microsoft.com/office/powerpoint/2010/main">
+    <mc:Choice Requires="p14">
       <p:transition spd="slow" p14:dur="1600" advTm="2000">
         <p:blinds dir="vert"/>
       </p:transition>
     </mc:Choice>
-    <mc:Fallback>
+    <mc:Fallback xmlns="">
       <p:transition spd="slow" advTm="2000">
         <p:blinds dir="vert"/>
       </p:transition>
@@ -12907,11 +12686,6 @@
               </a:rPr>
               <a:t>测试转账的功能，包含三个函数：balanceOf, balanceOfMine, transfer</a:t>
             </a:r>
-            <a:endParaRPr lang="en-US" altLang="zh-CN" sz="2400" dirty="0">
-              <a:solidFill>
-                <a:schemeClr val="bg1"/>
-              </a:solidFill>
-            </a:endParaRPr>
           </a:p>
         </p:txBody>
       </p:sp>
@@ -12924,7 +12698,7 @@
           <p:nvPr/>
         </p:nvPicPr>
         <p:blipFill>
-          <a:blip r:embed="rId1"/>
+          <a:blip r:embed="rId2"/>
           <a:stretch>
             <a:fillRect/>
           </a:stretch>
@@ -12983,6 +12757,7 @@
           <a:bodyPr wrap="square" lIns="91440" tIns="45720" rIns="91440" bIns="45720">
             <a:spAutoFit/>
           </a:bodyPr>
+          <a:lstStyle/>
           <a:p>
             <a:r>
               <a:rPr lang="en-US" sz="1465" dirty="0">
@@ -13006,14 +12781,6 @@
               </a:rPr>
               <a:t>查看自己的余额</a:t>
             </a:r>
-            <a:endParaRPr sz="1465" dirty="0">
-              <a:solidFill>
-                <a:schemeClr val="bg1"/>
-              </a:solidFill>
-              <a:latin typeface="微软雅黑" panose="020B0503020204020204" pitchFamily="34" charset="-122"/>
-              <a:ea typeface="微软雅黑" panose="020B0503020204020204" pitchFamily="34" charset="-122"/>
-              <a:sym typeface="方正姚体" panose="02010601030101010101" pitchFamily="2" charset="-122"/>
-            </a:endParaRPr>
           </a:p>
         </p:txBody>
       </p:sp>
@@ -13061,6 +12828,7 @@
           <a:bodyPr wrap="square" lIns="91440" tIns="45720" rIns="91440" bIns="45720">
             <a:spAutoFit/>
           </a:bodyPr>
+          <a:lstStyle/>
           <a:p>
             <a:r>
               <a:rPr lang="en-US" sz="1465" dirty="0">
@@ -13084,14 +12852,6 @@
               </a:rPr>
               <a:t>使用get_account.sh脚本生成一个账号</a:t>
             </a:r>
-            <a:endParaRPr sz="1465" dirty="0">
-              <a:solidFill>
-                <a:schemeClr val="bg1"/>
-              </a:solidFill>
-              <a:latin typeface="微软雅黑" panose="020B0503020204020204" pitchFamily="34" charset="-122"/>
-              <a:ea typeface="微软雅黑" panose="020B0503020204020204" pitchFamily="34" charset="-122"/>
-              <a:sym typeface="方正姚体" panose="02010601030101010101" pitchFamily="2" charset="-122"/>
-            </a:endParaRPr>
           </a:p>
         </p:txBody>
       </p:sp>
@@ -13139,6 +12899,7 @@
           <a:bodyPr wrap="square" lIns="91440" tIns="45720" rIns="91440" bIns="45720">
             <a:spAutoFit/>
           </a:bodyPr>
+          <a:lstStyle/>
           <a:p>
             <a:r>
               <a:rPr lang="en-US" sz="1465" dirty="0">
@@ -13162,14 +12923,6 @@
               </a:rPr>
               <a:t>查看这个账号的余额</a:t>
             </a:r>
-            <a:endParaRPr sz="1465" dirty="0">
-              <a:solidFill>
-                <a:schemeClr val="bg1"/>
-              </a:solidFill>
-              <a:latin typeface="微软雅黑" panose="020B0503020204020204" pitchFamily="34" charset="-122"/>
-              <a:ea typeface="微软雅黑" panose="020B0503020204020204" pitchFamily="34" charset="-122"/>
-              <a:sym typeface="方正姚体" panose="02010601030101010101" pitchFamily="2" charset="-122"/>
-            </a:endParaRPr>
           </a:p>
         </p:txBody>
       </p:sp>
@@ -13217,6 +12970,7 @@
           <a:bodyPr wrap="square" lIns="91440" tIns="45720" rIns="91440" bIns="45720">
             <a:spAutoFit/>
           </a:bodyPr>
+          <a:lstStyle/>
           <a:p>
             <a:r>
               <a:rPr lang="en-US" sz="1465" dirty="0">
@@ -13240,14 +12994,6 @@
               </a:rPr>
               <a:t>给这个账号转账</a:t>
             </a:r>
-            <a:endParaRPr sz="1465" dirty="0">
-              <a:solidFill>
-                <a:schemeClr val="bg1"/>
-              </a:solidFill>
-              <a:latin typeface="微软雅黑" panose="020B0503020204020204" pitchFamily="34" charset="-122"/>
-              <a:ea typeface="微软雅黑" panose="020B0503020204020204" pitchFamily="34" charset="-122"/>
-              <a:sym typeface="方正姚体" panose="02010601030101010101" pitchFamily="2" charset="-122"/>
-            </a:endParaRPr>
           </a:p>
         </p:txBody>
       </p:sp>
@@ -13260,7 +13006,7 @@
           <p:nvPr/>
         </p:nvPicPr>
         <p:blipFill>
-          <a:blip r:embed="rId2"/>
+          <a:blip r:embed="rId3"/>
           <a:stretch>
             <a:fillRect/>
           </a:stretch>
@@ -13284,7 +13030,7 @@
           <p:nvPr/>
         </p:nvPicPr>
         <p:blipFill>
-          <a:blip r:embed="rId3"/>
+          <a:blip r:embed="rId4"/>
           <a:stretch>
             <a:fillRect/>
           </a:stretch>
@@ -13308,7 +13054,7 @@
           <p:nvPr/>
         </p:nvPicPr>
         <p:blipFill>
-          <a:blip r:embed="rId4"/>
+          <a:blip r:embed="rId5"/>
           <a:stretch>
             <a:fillRect/>
           </a:stretch>
@@ -13332,7 +13078,7 @@
           <p:nvPr/>
         </p:nvPicPr>
         <p:blipFill>
-          <a:blip r:embed="rId5"/>
+          <a:blip r:embed="rId6"/>
           <a:stretch>
             <a:fillRect/>
           </a:stretch>
@@ -13356,7 +13102,7 @@
           <p:nvPr/>
         </p:nvPicPr>
         <p:blipFill>
-          <a:blip r:embed="rId6"/>
+          <a:blip r:embed="rId7"/>
           <a:stretch>
             <a:fillRect/>
           </a:stretch>
@@ -13415,6 +13161,7 @@
           <a:bodyPr wrap="square" lIns="91440" tIns="45720" rIns="91440" bIns="45720">
             <a:spAutoFit/>
           </a:bodyPr>
+          <a:lstStyle/>
           <a:p>
             <a:r>
               <a:rPr lang="en-US" sz="1465" dirty="0">
@@ -13438,14 +13185,6 @@
               </a:rPr>
               <a:t>再次查看这个账号的余额</a:t>
             </a:r>
-            <a:endParaRPr sz="1465" dirty="0">
-              <a:solidFill>
-                <a:schemeClr val="bg1"/>
-              </a:solidFill>
-              <a:latin typeface="微软雅黑" panose="020B0503020204020204" pitchFamily="34" charset="-122"/>
-              <a:ea typeface="微软雅黑" panose="020B0503020204020204" pitchFamily="34" charset="-122"/>
-              <a:sym typeface="方正姚体" panose="02010601030101010101" pitchFamily="2" charset="-122"/>
-            </a:endParaRPr>
           </a:p>
         </p:txBody>
       </p:sp>
@@ -13493,6 +13232,7 @@
           <a:bodyPr wrap="square" lIns="91440" tIns="45720" rIns="91440" bIns="45720">
             <a:spAutoFit/>
           </a:bodyPr>
+          <a:lstStyle/>
           <a:p>
             <a:r>
               <a:rPr lang="en-US" sz="1465" dirty="0">
@@ -13516,14 +13256,6 @@
               </a:rPr>
               <a:t>查看自己的余额</a:t>
             </a:r>
-            <a:endParaRPr sz="1465" dirty="0">
-              <a:solidFill>
-                <a:schemeClr val="bg1"/>
-              </a:solidFill>
-              <a:latin typeface="微软雅黑" panose="020B0503020204020204" pitchFamily="34" charset="-122"/>
-              <a:ea typeface="微软雅黑" panose="020B0503020204020204" pitchFamily="34" charset="-122"/>
-              <a:sym typeface="方正姚体" panose="02010601030101010101" pitchFamily="2" charset="-122"/>
-            </a:endParaRPr>
           </a:p>
         </p:txBody>
       </p:sp>
@@ -13532,13 +13264,13 @@
   <p:clrMapOvr>
     <a:masterClrMapping/>
   </p:clrMapOvr>
-  <mc:AlternateContent xmlns:mc="http://schemas.openxmlformats.org/markup-compatibility/2006">
-    <mc:Choice xmlns:p14="http://schemas.microsoft.com/office/powerpoint/2010/main" Requires="p14">
+  <mc:AlternateContent xmlns:mc="http://schemas.openxmlformats.org/markup-compatibility/2006" xmlns:p14="http://schemas.microsoft.com/office/powerpoint/2010/main">
+    <mc:Choice Requires="p14">
       <p:transition spd="slow" p14:dur="1600" advTm="4500">
         <p:blinds dir="vert"/>
       </p:transition>
     </mc:Choice>
-    <mc:Fallback>
+    <mc:Fallback xmlns="">
       <p:transition spd="slow" advTm="4500">
         <p:blinds dir="vert"/>
       </p:transition>
@@ -14348,14 +14080,6 @@
               </a:rPr>
               <a:t>将项目导入IDEA</a:t>
             </a:r>
-            <a:endParaRPr lang="en-US" altLang="zh-CN" sz="1200" dirty="0">
-              <a:solidFill>
-                <a:schemeClr val="bg1"/>
-              </a:solidFill>
-              <a:latin typeface="微软雅黑" panose="020B0503020204020204" pitchFamily="34" charset="-122"/>
-              <a:ea typeface="微软雅黑" panose="020B0503020204020204" pitchFamily="34" charset="-122"/>
-              <a:sym typeface="方正姚体" panose="02010601030101010101" pitchFamily="2" charset="-122"/>
-            </a:endParaRPr>
           </a:p>
           <a:p>
             <a:pPr marL="171450" indent="-171450" algn="l">
@@ -14387,14 +14111,6 @@
               </a:rPr>
               <a:t>根据说明进行相关节点文件的拷贝，和节点信息的配置</a:t>
             </a:r>
-            <a:endParaRPr lang="en-US" altLang="zh-CN" sz="1200" dirty="0">
-              <a:solidFill>
-                <a:schemeClr val="bg1"/>
-              </a:solidFill>
-              <a:latin typeface="微软雅黑" panose="020B0503020204020204" pitchFamily="34" charset="-122"/>
-              <a:ea typeface="微软雅黑" panose="020B0503020204020204" pitchFamily="34" charset="-122"/>
-              <a:sym typeface="方正姚体" panose="02010601030101010101" pitchFamily="2" charset="-122"/>
-            </a:endParaRPr>
           </a:p>
         </p:txBody>
       </p:sp>
@@ -14442,13 +14158,13 @@
   <p:clrMapOvr>
     <a:masterClrMapping/>
   </p:clrMapOvr>
-  <mc:AlternateContent xmlns:mc="http://schemas.openxmlformats.org/markup-compatibility/2006">
-    <mc:Choice xmlns:p14="http://schemas.microsoft.com/office/powerpoint/2010/main" Requires="p14">
+  <mc:AlternateContent xmlns:mc="http://schemas.openxmlformats.org/markup-compatibility/2006" xmlns:p14="http://schemas.microsoft.com/office/powerpoint/2010/main">
+    <mc:Choice Requires="p14">
       <p:transition spd="slow" p14:dur="1600" advTm="1300">
         <p:blinds dir="vert"/>
       </p:transition>
     </mc:Choice>
-    <mc:Fallback>
+    <mc:Fallback xmlns="">
       <p:transition spd="slow" advTm="1300">
         <p:blinds dir="vert"/>
       </p:transition>
@@ -14715,6 +14431,8 @@
       </a:bgFillStyleLst>
     </a:fmtScheme>
   </a:themeElements>
+  <a:objectDefaults/>
+  <a:extraClrSchemeLst/>
   <a:extLst>
     <a:ext uri="{05A4C25C-085E-4340-85A3-A5531E510DB2}">
       <thm15:themeFamily xmlns:thm15="http://schemas.microsoft.com/office/thememl/2012/main" name="Office Theme" id="{62F939B6-93AF-4DB8-9C6B-D6C7DFDC589F}" vid="{4A3C46E8-61CC-4603-A589-7422A47A8E4A}"/>

--- a/day2/第二次作业成果展示.pptx
+++ b/day2/第二次作业成果展示.pptx
@@ -265,7 +265,7 @@
           <a:p>
             <a:fld id="{72503DD8-49B1-4705-8208-22CAD6DCB9D5}" type="datetimeFigureOut">
               <a:rPr lang="zh-CN" altLang="en-US" smtClean="0"/>
-              <a:t>2019/6/24</a:t>
+              <a:t>2019/6/25</a:t>
             </a:fld>
             <a:endParaRPr lang="zh-CN" altLang="en-US"/>
           </a:p>
@@ -428,7 +428,7 @@
           <a:p>
             <a:fld id="{72503DD8-49B1-4705-8208-22CAD6DCB9D5}" type="datetimeFigureOut">
               <a:rPr lang="zh-CN" altLang="en-US" smtClean="0"/>
-              <a:t>2019/6/24</a:t>
+              <a:t>2019/6/25</a:t>
             </a:fld>
             <a:endParaRPr lang="zh-CN" altLang="en-US"/>
           </a:p>
@@ -601,7 +601,7 @@
           <a:p>
             <a:fld id="{72503DD8-49B1-4705-8208-22CAD6DCB9D5}" type="datetimeFigureOut">
               <a:rPr lang="zh-CN" altLang="en-US" smtClean="0"/>
-              <a:t>2019/6/24</a:t>
+              <a:t>2019/6/25</a:t>
             </a:fld>
             <a:endParaRPr lang="zh-CN" altLang="en-US"/>
           </a:p>
@@ -725,7 +725,7 @@
             </a:pPr>
             <a:fld id="{A5C66E67-5AD1-40AA-AAC1-C04AA203B07B}" type="datetime1">
               <a:rPr lang="zh-CN" altLang="en-US"/>
-              <a:t>2019/6/24</a:t>
+              <a:t>2019/6/25</a:t>
             </a:fld>
             <a:endParaRPr lang="zh-CN" altLang="en-US" sz="1865">
               <a:solidFill>
@@ -922,7 +922,7 @@
           <a:p>
             <a:fld id="{72503DD8-49B1-4705-8208-22CAD6DCB9D5}" type="datetimeFigureOut">
               <a:rPr lang="zh-CN" altLang="en-US" smtClean="0"/>
-              <a:t>2019/6/24</a:t>
+              <a:t>2019/6/25</a:t>
             </a:fld>
             <a:endParaRPr lang="zh-CN" altLang="en-US"/>
           </a:p>
@@ -1162,7 +1162,7 @@
           <a:p>
             <a:fld id="{72503DD8-49B1-4705-8208-22CAD6DCB9D5}" type="datetimeFigureOut">
               <a:rPr lang="zh-CN" altLang="en-US" smtClean="0"/>
-              <a:t>2019/6/24</a:t>
+              <a:t>2019/6/25</a:t>
             </a:fld>
             <a:endParaRPr lang="zh-CN" altLang="en-US"/>
           </a:p>
@@ -1386,7 +1386,7 @@
           <a:p>
             <a:fld id="{72503DD8-49B1-4705-8208-22CAD6DCB9D5}" type="datetimeFigureOut">
               <a:rPr lang="zh-CN" altLang="en-US" smtClean="0"/>
-              <a:t>2019/6/24</a:t>
+              <a:t>2019/6/25</a:t>
             </a:fld>
             <a:endParaRPr lang="zh-CN" altLang="en-US"/>
           </a:p>
@@ -1745,7 +1745,7 @@
           <a:p>
             <a:fld id="{72503DD8-49B1-4705-8208-22CAD6DCB9D5}" type="datetimeFigureOut">
               <a:rPr lang="zh-CN" altLang="en-US" smtClean="0"/>
-              <a:t>2019/6/24</a:t>
+              <a:t>2019/6/25</a:t>
             </a:fld>
             <a:endParaRPr lang="zh-CN" altLang="en-US"/>
           </a:p>
@@ -1857,7 +1857,7 @@
           <a:p>
             <a:fld id="{72503DD8-49B1-4705-8208-22CAD6DCB9D5}" type="datetimeFigureOut">
               <a:rPr lang="zh-CN" altLang="en-US" smtClean="0"/>
-              <a:t>2019/6/24</a:t>
+              <a:t>2019/6/25</a:t>
             </a:fld>
             <a:endParaRPr lang="zh-CN" altLang="en-US"/>
           </a:p>
@@ -1947,7 +1947,7 @@
           <a:p>
             <a:fld id="{72503DD8-49B1-4705-8208-22CAD6DCB9D5}" type="datetimeFigureOut">
               <a:rPr lang="zh-CN" altLang="en-US" smtClean="0"/>
-              <a:t>2019/6/24</a:t>
+              <a:t>2019/6/25</a:t>
             </a:fld>
             <a:endParaRPr lang="zh-CN" altLang="en-US"/>
           </a:p>
@@ -2217,7 +2217,7 @@
           <a:p>
             <a:fld id="{72503DD8-49B1-4705-8208-22CAD6DCB9D5}" type="datetimeFigureOut">
               <a:rPr lang="zh-CN" altLang="en-US" smtClean="0"/>
-              <a:t>2019/6/24</a:t>
+              <a:t>2019/6/25</a:t>
             </a:fld>
             <a:endParaRPr lang="zh-CN" altLang="en-US"/>
           </a:p>
@@ -2464,7 +2464,7 @@
           <a:p>
             <a:fld id="{72503DD8-49B1-4705-8208-22CAD6DCB9D5}" type="datetimeFigureOut">
               <a:rPr lang="zh-CN" altLang="en-US" smtClean="0"/>
-              <a:t>2019/6/24</a:t>
+              <a:t>2019/6/25</a:t>
             </a:fld>
             <a:endParaRPr lang="zh-CN" altLang="en-US"/>
           </a:p>
@@ -2673,7 +2673,7 @@
           <a:p>
             <a:fld id="{72503DD8-49B1-4705-8208-22CAD6DCB9D5}" type="datetimeFigureOut">
               <a:rPr lang="zh-CN" altLang="en-US" smtClean="0"/>
-              <a:t>2019/6/24</a:t>
+              <a:t>2019/6/25</a:t>
             </a:fld>
             <a:endParaRPr lang="zh-CN" altLang="en-US"/>
           </a:p>
@@ -3689,7 +3689,7 @@
           <a:lstStyle/>
           <a:p>
             <a:r>
-              <a:rPr lang="zh-CN" altLang="en-US" dirty="0" smtClean="0">
+              <a:rPr lang="zh-CN" altLang="en-US" dirty="0">
                 <a:solidFill>
                   <a:schemeClr val="bg1"/>
                 </a:solidFill>
@@ -3701,7 +3701,7 @@
             </a:r>
           </a:p>
           <a:p>
-            <a:endParaRPr lang="zh-CN" altLang="en-US" dirty="0" smtClean="0">
+            <a:endParaRPr lang="zh-CN" altLang="en-US" dirty="0">
               <a:solidFill>
                 <a:schemeClr val="bg1"/>
               </a:solidFill>
@@ -3712,7 +3712,7 @@
           </a:p>
           <a:p>
             <a:r>
-              <a:rPr lang="zh-CN" altLang="en-US" dirty="0" smtClean="0">
+              <a:rPr lang="zh-CN" altLang="en-US" dirty="0">
                 <a:solidFill>
                   <a:schemeClr val="bg1"/>
                 </a:solidFill>
@@ -3720,9 +3720,9 @@
                 <a:ea typeface="微软雅黑" panose="020B0503020204020204" pitchFamily="34" charset="-122"/>
                 <a:sym typeface="+mn-ea"/>
               </a:rPr>
-              <a:t>邹鹏宇、卢越兴、翁涣滨、吴金泽、秦华</a:t>
-            </a:r>
-            <a:endParaRPr lang="zh-CN" altLang="en-US" sz="2400" dirty="0" smtClean="0">
+              <a:t>邹鹏宇、卢越兴、翁焕滨、吴金泽、秦华</a:t>
+            </a:r>
+            <a:endParaRPr lang="zh-CN" altLang="en-US" sz="2400" dirty="0">
               <a:solidFill>
                 <a:schemeClr val="bg1"/>
               </a:solidFill>
@@ -4792,13 +4792,6 @@
       </p:transition>
     </mc:Fallback>
   </mc:AlternateContent>
-  <p:timing>
-    <p:tnLst>
-      <p:par>
-        <p:cTn id="1" dur="indefinite" restart="never" nodeType="tmRoot"/>
-      </p:par>
-    </p:tnLst>
-  </p:timing>
 </p:sld>
 </file>
 
@@ -5712,13 +5705,6 @@
       </p:transition>
     </mc:Fallback>
   </mc:AlternateContent>
-  <p:timing>
-    <p:tnLst>
-      <p:par>
-        <p:cTn id="1" dur="indefinite" restart="never" nodeType="tmRoot"/>
-      </p:par>
-    </p:tnLst>
-  </p:timing>
 </p:sld>
 </file>
 
@@ -10344,20 +10330,12 @@
           </a:p>
           <a:p>
             <a:r>
-              <a:rPr lang="zh-CN" altLang="en-US" dirty="0" smtClean="0">
+              <a:rPr lang="zh-CN" altLang="en-US" dirty="0">
                 <a:solidFill>
                   <a:schemeClr val="bg1"/>
                 </a:solidFill>
               </a:rPr>
-              <a:t>再根</a:t>
-            </a:r>
-            <a:r>
-              <a:rPr lang="zh-CN" altLang="en-US" dirty="0">
-                <a:solidFill>
-                  <a:schemeClr val="bg1"/>
-                </a:solidFill>
-              </a:rPr>
-              <a:t>据个人需要添加以下功能</a:t>
+              <a:t>再根据个人需要添加以下功能</a:t>
             </a:r>
             <a:r>
               <a:rPr lang="en-US" altLang="zh-CN" dirty="0">
@@ -10427,13 +10405,6 @@
       </p:transition>
     </mc:Fallback>
   </mc:AlternateContent>
-  <p:timing>
-    <p:tnLst>
-      <p:par>
-        <p:cTn id="1" dur="indefinite" restart="never" nodeType="tmRoot"/>
-      </p:par>
-    </p:tnLst>
-  </p:timing>
 </p:sld>
 </file>
 
@@ -11372,13 +11343,6 @@
       </p:transition>
     </mc:Fallback>
   </mc:AlternateContent>
-  <p:timing>
-    <p:tnLst>
-      <p:par>
-        <p:cTn id="1" dur="indefinite" restart="never" nodeType="tmRoot"/>
-      </p:par>
-    </p:tnLst>
-  </p:timing>
 </p:sld>
 </file>
 
@@ -14170,13 +14134,6 @@
       </p:transition>
     </mc:Fallback>
   </mc:AlternateContent>
-  <p:timing>
-    <p:tnLst>
-      <p:par>
-        <p:cTn id="1" dur="indefinite" restart="never" nodeType="tmRoot"/>
-      </p:par>
-    </p:tnLst>
-  </p:timing>
 </p:sld>
 </file>
 
